--- a/Accovia_Replacement_Messages.pptx
+++ b/Accovia_Replacement_Messages.pptx
@@ -10146,116 +10146,6 @@
       </p:cxnSp>
       <p:sp>
         <p:nvSpPr>
-          <p:cNvPr id="20" name="Rectangle 19"/>
-          <p:cNvSpPr/>
-          <p:nvPr/>
-        </p:nvSpPr>
-        <p:spPr>
-          <a:xfrm>
-            <a:off x="6458334" y="2042808"/>
-            <a:ext cx="1644805" cy="630430"/>
-          </a:xfrm>
-          <a:prstGeom prst="rect">
-            <a:avLst/>
-          </a:prstGeom>
-          <a:solidFill>
-            <a:schemeClr val="bg1">
-              <a:lumMod val="95000"/>
-            </a:schemeClr>
-          </a:solidFill>
-          <a:ln>
-            <a:solidFill>
-              <a:schemeClr val="tx1"/>
-            </a:solidFill>
-          </a:ln>
-        </p:spPr>
-        <p:style>
-          <a:lnRef idx="2">
-            <a:schemeClr val="accent1">
-              <a:shade val="50000"/>
-            </a:schemeClr>
-          </a:lnRef>
-          <a:fillRef idx="1">
-            <a:schemeClr val="accent1"/>
-          </a:fillRef>
-          <a:effectRef idx="0">
-            <a:schemeClr val="accent1"/>
-          </a:effectRef>
-          <a:fontRef idx="minor">
-            <a:schemeClr val="lt1"/>
-          </a:fontRef>
-        </p:style>
-        <p:txBody>
-          <a:bodyPr rtlCol="0" anchor="t"/>
-          <a:lstStyle/>
-          <a:p>
-            <a:pPr marL="228600" indent="-228600">
-              <a:buFont typeface="+mj-lt"/>
-              <a:buAutoNum type="alphaUcPeriod"/>
-            </a:pPr>
-            <a:r>
-              <a:rPr lang="en-US" sz="1000" dirty="0" err="1" smtClean="0">
-                <a:solidFill>
-                  <a:schemeClr val="tx1"/>
-                </a:solidFill>
-              </a:rPr>
-              <a:t>InsuranceAvailabilityRQ</a:t>
-            </a:r>
-            <a:endParaRPr lang="en-US" sz="1000" dirty="0">
-              <a:solidFill>
-                <a:schemeClr val="tx1"/>
-              </a:solidFill>
-            </a:endParaRPr>
-          </a:p>
-          <a:p>
-            <a:pPr marL="228600" indent="-228600">
-              <a:buFont typeface="+mj-lt"/>
-              <a:buAutoNum type="alphaUcPeriod"/>
-            </a:pPr>
-            <a:r>
-              <a:rPr lang="en-US" sz="1000" dirty="0" err="1" smtClean="0">
-                <a:solidFill>
-                  <a:schemeClr val="tx1"/>
-                </a:solidFill>
-              </a:rPr>
-              <a:t>InsuranceQuoteRQ</a:t>
-            </a:r>
-            <a:endParaRPr lang="en-US" sz="1000" dirty="0" smtClean="0">
-              <a:solidFill>
-                <a:schemeClr val="tx1"/>
-              </a:solidFill>
-            </a:endParaRPr>
-          </a:p>
-          <a:p>
-            <a:pPr marL="228600" indent="-228600">
-              <a:buFont typeface="+mj-lt"/>
-              <a:buAutoNum type="alphaUcPeriod"/>
-            </a:pPr>
-            <a:r>
-              <a:rPr lang="en-US" sz="1000" dirty="0" err="1" smtClean="0">
-                <a:solidFill>
-                  <a:schemeClr val="tx1"/>
-                </a:solidFill>
-              </a:rPr>
-              <a:t>InsuranceResRQ</a:t>
-            </a:r>
-            <a:endParaRPr lang="en-US" sz="1000" dirty="0">
-              <a:solidFill>
-                <a:schemeClr val="tx1"/>
-              </a:solidFill>
-            </a:endParaRPr>
-          </a:p>
-          <a:p>
-            <a:endParaRPr lang="en-US" sz="1000" dirty="0">
-              <a:solidFill>
-                <a:schemeClr val="tx1"/>
-              </a:solidFill>
-            </a:endParaRPr>
-          </a:p>
-        </p:txBody>
-      </p:sp>
-      <p:sp>
-        <p:nvSpPr>
           <p:cNvPr id="38" name="TextBox 37"/>
           <p:cNvSpPr txBox="1"/>
           <p:nvPr/>
@@ -11040,173 +10930,6 @@
       </p:cxnSp>
       <p:sp>
         <p:nvSpPr>
-          <p:cNvPr id="20" name="Rectangle 19"/>
-          <p:cNvSpPr/>
-          <p:nvPr/>
-        </p:nvSpPr>
-        <p:spPr>
-          <a:xfrm>
-            <a:off x="6215974" y="2042808"/>
-            <a:ext cx="1887165" cy="1076183"/>
-          </a:xfrm>
-          <a:prstGeom prst="rect">
-            <a:avLst/>
-          </a:prstGeom>
-          <a:solidFill>
-            <a:schemeClr val="bg1">
-              <a:lumMod val="95000"/>
-            </a:schemeClr>
-          </a:solidFill>
-          <a:ln>
-            <a:solidFill>
-              <a:schemeClr val="tx1"/>
-            </a:solidFill>
-          </a:ln>
-        </p:spPr>
-        <p:style>
-          <a:lnRef idx="2">
-            <a:schemeClr val="accent1">
-              <a:shade val="50000"/>
-            </a:schemeClr>
-          </a:lnRef>
-          <a:fillRef idx="1">
-            <a:schemeClr val="accent1"/>
-          </a:fillRef>
-          <a:effectRef idx="0">
-            <a:schemeClr val="accent1"/>
-          </a:effectRef>
-          <a:fontRef idx="minor">
-            <a:schemeClr val="lt1"/>
-          </a:fontRef>
-        </p:style>
-        <p:txBody>
-          <a:bodyPr rtlCol="0" anchor="t"/>
-          <a:lstStyle/>
-          <a:p>
-            <a:pPr marL="228600" indent="-228600">
-              <a:buFont typeface="+mj-lt"/>
-              <a:buAutoNum type="alphaUcPeriod"/>
-            </a:pPr>
-            <a:r>
-              <a:rPr lang="en-US" sz="1000" dirty="0" err="1">
-                <a:solidFill>
-                  <a:schemeClr val="tx1"/>
-                </a:solidFill>
-              </a:rPr>
-              <a:t>AirAvailabilityRQ</a:t>
-            </a:r>
-            <a:endParaRPr lang="en-US" sz="1000" dirty="0">
-              <a:solidFill>
-                <a:schemeClr val="tx1"/>
-              </a:solidFill>
-            </a:endParaRPr>
-          </a:p>
-          <a:p>
-            <a:pPr marL="228600" indent="-228600">
-              <a:buFont typeface="+mj-lt"/>
-              <a:buAutoNum type="alphaUcPeriod"/>
-            </a:pPr>
-            <a:r>
-              <a:rPr lang="en-US" sz="1000" dirty="0" err="1">
-                <a:solidFill>
-                  <a:schemeClr val="tx1"/>
-                </a:solidFill>
-              </a:rPr>
-              <a:t>AirQuoteRQ</a:t>
-            </a:r>
-            <a:endParaRPr lang="en-US" sz="1000" dirty="0">
-              <a:solidFill>
-                <a:schemeClr val="tx1"/>
-              </a:solidFill>
-            </a:endParaRPr>
-          </a:p>
-          <a:p>
-            <a:pPr marL="228600" indent="-228600">
-              <a:buFont typeface="+mj-lt"/>
-              <a:buAutoNum type="alphaUcPeriod"/>
-            </a:pPr>
-            <a:r>
-              <a:rPr lang="en-US" sz="1000" dirty="0" err="1">
-                <a:solidFill>
-                  <a:schemeClr val="tx1"/>
-                </a:solidFill>
-              </a:rPr>
-              <a:t>AirResRQ</a:t>
-            </a:r>
-            <a:endParaRPr lang="en-US" sz="1000" dirty="0">
-              <a:solidFill>
-                <a:schemeClr val="tx1"/>
-              </a:solidFill>
-            </a:endParaRPr>
-          </a:p>
-          <a:p>
-            <a:pPr marL="228600" indent="-228600">
-              <a:buFont typeface="+mj-lt"/>
-              <a:buAutoNum type="alphaUcPeriod"/>
-            </a:pPr>
-            <a:r>
-              <a:rPr lang="en-US" sz="1000" dirty="0" err="1">
-                <a:solidFill>
-                  <a:schemeClr val="tx1"/>
-                </a:solidFill>
-              </a:rPr>
-              <a:t>ModifyAirItineraryRQ</a:t>
-            </a:r>
-            <a:endParaRPr lang="en-US" sz="1000" dirty="0">
-              <a:solidFill>
-                <a:schemeClr val="tx1"/>
-              </a:solidFill>
-            </a:endParaRPr>
-          </a:p>
-          <a:p>
-            <a:pPr marL="228600" indent="-228600">
-              <a:buFont typeface="+mj-lt"/>
-              <a:buAutoNum type="alphaUcPeriod"/>
-            </a:pPr>
-            <a:r>
-              <a:rPr lang="en-US" sz="1000" dirty="0" err="1">
-                <a:solidFill>
-                  <a:schemeClr val="tx1"/>
-                </a:solidFill>
-              </a:rPr>
-              <a:t>ModifySeatAssignmentsRQ</a:t>
-            </a:r>
-            <a:endParaRPr lang="en-US" sz="1000" dirty="0">
-              <a:solidFill>
-                <a:schemeClr val="tx1"/>
-              </a:solidFill>
-            </a:endParaRPr>
-          </a:p>
-          <a:p>
-            <a:pPr marL="228600" indent="-228600">
-              <a:buFont typeface="+mj-lt"/>
-              <a:buAutoNum type="alphaUcPeriod"/>
-            </a:pPr>
-            <a:r>
-              <a:rPr lang="en-US" sz="1000" dirty="0" err="1" smtClean="0">
-                <a:solidFill>
-                  <a:schemeClr val="tx1"/>
-                </a:solidFill>
-              </a:rPr>
-              <a:t>ModifyPaxInfoRQ</a:t>
-            </a:r>
-            <a:endParaRPr lang="en-US" sz="1000" dirty="0">
-              <a:solidFill>
-                <a:schemeClr val="tx1"/>
-              </a:solidFill>
-            </a:endParaRPr>
-          </a:p>
-          <a:p>
-            <a:endParaRPr lang="en-US" sz="1000" dirty="0">
-              <a:solidFill>
-                <a:schemeClr val="tx1"/>
-              </a:solidFill>
-            </a:endParaRPr>
-          </a:p>
-        </p:txBody>
-      </p:sp>
-      <p:sp>
-        <p:nvSpPr>
           <p:cNvPr id="38" name="TextBox 37"/>
           <p:cNvSpPr txBox="1"/>
           <p:nvPr/>
@@ -11983,173 +11706,6 @@
       </p:cxnSp>
       <p:sp>
         <p:nvSpPr>
-          <p:cNvPr id="20" name="Rectangle 19"/>
-          <p:cNvSpPr/>
-          <p:nvPr/>
-        </p:nvSpPr>
-        <p:spPr>
-          <a:xfrm>
-            <a:off x="6215974" y="2042808"/>
-            <a:ext cx="1887165" cy="1076183"/>
-          </a:xfrm>
-          <a:prstGeom prst="rect">
-            <a:avLst/>
-          </a:prstGeom>
-          <a:solidFill>
-            <a:schemeClr val="bg1">
-              <a:lumMod val="95000"/>
-            </a:schemeClr>
-          </a:solidFill>
-          <a:ln>
-            <a:solidFill>
-              <a:schemeClr val="tx1"/>
-            </a:solidFill>
-          </a:ln>
-        </p:spPr>
-        <p:style>
-          <a:lnRef idx="2">
-            <a:schemeClr val="accent1">
-              <a:shade val="50000"/>
-            </a:schemeClr>
-          </a:lnRef>
-          <a:fillRef idx="1">
-            <a:schemeClr val="accent1"/>
-          </a:fillRef>
-          <a:effectRef idx="0">
-            <a:schemeClr val="accent1"/>
-          </a:effectRef>
-          <a:fontRef idx="minor">
-            <a:schemeClr val="lt1"/>
-          </a:fontRef>
-        </p:style>
-        <p:txBody>
-          <a:bodyPr rtlCol="0" anchor="t"/>
-          <a:lstStyle/>
-          <a:p>
-            <a:pPr marL="228600" indent="-228600">
-              <a:buFont typeface="+mj-lt"/>
-              <a:buAutoNum type="alphaUcPeriod"/>
-            </a:pPr>
-            <a:r>
-              <a:rPr lang="en-US" sz="1000" dirty="0" err="1">
-                <a:solidFill>
-                  <a:schemeClr val="tx1"/>
-                </a:solidFill>
-              </a:rPr>
-              <a:t>AirAvailabilityRQ</a:t>
-            </a:r>
-            <a:endParaRPr lang="en-US" sz="1000" dirty="0">
-              <a:solidFill>
-                <a:schemeClr val="tx1"/>
-              </a:solidFill>
-            </a:endParaRPr>
-          </a:p>
-          <a:p>
-            <a:pPr marL="228600" indent="-228600">
-              <a:buFont typeface="+mj-lt"/>
-              <a:buAutoNum type="alphaUcPeriod"/>
-            </a:pPr>
-            <a:r>
-              <a:rPr lang="en-US" sz="1000" dirty="0" err="1">
-                <a:solidFill>
-                  <a:schemeClr val="tx1"/>
-                </a:solidFill>
-              </a:rPr>
-              <a:t>AirQuoteRQ</a:t>
-            </a:r>
-            <a:endParaRPr lang="en-US" sz="1000" dirty="0">
-              <a:solidFill>
-                <a:schemeClr val="tx1"/>
-              </a:solidFill>
-            </a:endParaRPr>
-          </a:p>
-          <a:p>
-            <a:pPr marL="228600" indent="-228600">
-              <a:buFont typeface="+mj-lt"/>
-              <a:buAutoNum type="alphaUcPeriod"/>
-            </a:pPr>
-            <a:r>
-              <a:rPr lang="en-US" sz="1000" dirty="0" err="1">
-                <a:solidFill>
-                  <a:schemeClr val="tx1"/>
-                </a:solidFill>
-              </a:rPr>
-              <a:t>AirResRQ</a:t>
-            </a:r>
-            <a:endParaRPr lang="en-US" sz="1000" dirty="0">
-              <a:solidFill>
-                <a:schemeClr val="tx1"/>
-              </a:solidFill>
-            </a:endParaRPr>
-          </a:p>
-          <a:p>
-            <a:pPr marL="228600" indent="-228600">
-              <a:buFont typeface="+mj-lt"/>
-              <a:buAutoNum type="alphaUcPeriod"/>
-            </a:pPr>
-            <a:r>
-              <a:rPr lang="en-US" sz="1000" dirty="0" err="1">
-                <a:solidFill>
-                  <a:schemeClr val="tx1"/>
-                </a:solidFill>
-              </a:rPr>
-              <a:t>ModifyAirItineraryRQ</a:t>
-            </a:r>
-            <a:endParaRPr lang="en-US" sz="1000" dirty="0">
-              <a:solidFill>
-                <a:schemeClr val="tx1"/>
-              </a:solidFill>
-            </a:endParaRPr>
-          </a:p>
-          <a:p>
-            <a:pPr marL="228600" indent="-228600">
-              <a:buFont typeface="+mj-lt"/>
-              <a:buAutoNum type="alphaUcPeriod"/>
-            </a:pPr>
-            <a:r>
-              <a:rPr lang="en-US" sz="1000" dirty="0" err="1">
-                <a:solidFill>
-                  <a:schemeClr val="tx1"/>
-                </a:solidFill>
-              </a:rPr>
-              <a:t>ModifySeatAssignmentsRQ</a:t>
-            </a:r>
-            <a:endParaRPr lang="en-US" sz="1000" dirty="0">
-              <a:solidFill>
-                <a:schemeClr val="tx1"/>
-              </a:solidFill>
-            </a:endParaRPr>
-          </a:p>
-          <a:p>
-            <a:pPr marL="228600" indent="-228600">
-              <a:buFont typeface="+mj-lt"/>
-              <a:buAutoNum type="alphaUcPeriod"/>
-            </a:pPr>
-            <a:r>
-              <a:rPr lang="en-US" sz="1000" dirty="0" err="1" smtClean="0">
-                <a:solidFill>
-                  <a:schemeClr val="tx1"/>
-                </a:solidFill>
-              </a:rPr>
-              <a:t>ModifyPaxInfoRQ</a:t>
-            </a:r>
-            <a:endParaRPr lang="en-US" sz="1000" dirty="0">
-              <a:solidFill>
-                <a:schemeClr val="tx1"/>
-              </a:solidFill>
-            </a:endParaRPr>
-          </a:p>
-          <a:p>
-            <a:endParaRPr lang="en-US" sz="1000" dirty="0">
-              <a:solidFill>
-                <a:schemeClr val="tx1"/>
-              </a:solidFill>
-            </a:endParaRPr>
-          </a:p>
-        </p:txBody>
-      </p:sp>
-      <p:sp>
-        <p:nvSpPr>
           <p:cNvPr id="38" name="TextBox 37"/>
           <p:cNvSpPr txBox="1"/>
           <p:nvPr/>
@@ -12938,173 +12494,6 @@
       </p:cxnSp>
       <p:sp>
         <p:nvSpPr>
-          <p:cNvPr id="20" name="Rectangle 19"/>
-          <p:cNvSpPr/>
-          <p:nvPr/>
-        </p:nvSpPr>
-        <p:spPr>
-          <a:xfrm>
-            <a:off x="6215974" y="2042808"/>
-            <a:ext cx="1887165" cy="1076183"/>
-          </a:xfrm>
-          <a:prstGeom prst="rect">
-            <a:avLst/>
-          </a:prstGeom>
-          <a:solidFill>
-            <a:schemeClr val="bg1">
-              <a:lumMod val="95000"/>
-            </a:schemeClr>
-          </a:solidFill>
-          <a:ln>
-            <a:solidFill>
-              <a:schemeClr val="tx1"/>
-            </a:solidFill>
-          </a:ln>
-        </p:spPr>
-        <p:style>
-          <a:lnRef idx="2">
-            <a:schemeClr val="accent1">
-              <a:shade val="50000"/>
-            </a:schemeClr>
-          </a:lnRef>
-          <a:fillRef idx="1">
-            <a:schemeClr val="accent1"/>
-          </a:fillRef>
-          <a:effectRef idx="0">
-            <a:schemeClr val="accent1"/>
-          </a:effectRef>
-          <a:fontRef idx="minor">
-            <a:schemeClr val="lt1"/>
-          </a:fontRef>
-        </p:style>
-        <p:txBody>
-          <a:bodyPr rtlCol="0" anchor="t"/>
-          <a:lstStyle/>
-          <a:p>
-            <a:pPr marL="228600" indent="-228600">
-              <a:buFont typeface="+mj-lt"/>
-              <a:buAutoNum type="alphaUcPeriod"/>
-            </a:pPr>
-            <a:r>
-              <a:rPr lang="en-US" sz="1000" dirty="0" err="1">
-                <a:solidFill>
-                  <a:schemeClr val="tx1"/>
-                </a:solidFill>
-              </a:rPr>
-              <a:t>AirAvailabilityRQ</a:t>
-            </a:r>
-            <a:endParaRPr lang="en-US" sz="1000" dirty="0">
-              <a:solidFill>
-                <a:schemeClr val="tx1"/>
-              </a:solidFill>
-            </a:endParaRPr>
-          </a:p>
-          <a:p>
-            <a:pPr marL="228600" indent="-228600">
-              <a:buFont typeface="+mj-lt"/>
-              <a:buAutoNum type="alphaUcPeriod"/>
-            </a:pPr>
-            <a:r>
-              <a:rPr lang="en-US" sz="1000" dirty="0" err="1">
-                <a:solidFill>
-                  <a:schemeClr val="tx1"/>
-                </a:solidFill>
-              </a:rPr>
-              <a:t>AirQuoteRQ</a:t>
-            </a:r>
-            <a:endParaRPr lang="en-US" sz="1000" dirty="0">
-              <a:solidFill>
-                <a:schemeClr val="tx1"/>
-              </a:solidFill>
-            </a:endParaRPr>
-          </a:p>
-          <a:p>
-            <a:pPr marL="228600" indent="-228600">
-              <a:buFont typeface="+mj-lt"/>
-              <a:buAutoNum type="alphaUcPeriod"/>
-            </a:pPr>
-            <a:r>
-              <a:rPr lang="en-US" sz="1000" dirty="0" err="1">
-                <a:solidFill>
-                  <a:schemeClr val="tx1"/>
-                </a:solidFill>
-              </a:rPr>
-              <a:t>AirResRQ</a:t>
-            </a:r>
-            <a:endParaRPr lang="en-US" sz="1000" dirty="0">
-              <a:solidFill>
-                <a:schemeClr val="tx1"/>
-              </a:solidFill>
-            </a:endParaRPr>
-          </a:p>
-          <a:p>
-            <a:pPr marL="228600" indent="-228600">
-              <a:buFont typeface="+mj-lt"/>
-              <a:buAutoNum type="alphaUcPeriod"/>
-            </a:pPr>
-            <a:r>
-              <a:rPr lang="en-US" sz="1000" dirty="0" err="1">
-                <a:solidFill>
-                  <a:schemeClr val="tx1"/>
-                </a:solidFill>
-              </a:rPr>
-              <a:t>ModifyAirItineraryRQ</a:t>
-            </a:r>
-            <a:endParaRPr lang="en-US" sz="1000" dirty="0">
-              <a:solidFill>
-                <a:schemeClr val="tx1"/>
-              </a:solidFill>
-            </a:endParaRPr>
-          </a:p>
-          <a:p>
-            <a:pPr marL="228600" indent="-228600">
-              <a:buFont typeface="+mj-lt"/>
-              <a:buAutoNum type="alphaUcPeriod"/>
-            </a:pPr>
-            <a:r>
-              <a:rPr lang="en-US" sz="1000" dirty="0" err="1">
-                <a:solidFill>
-                  <a:schemeClr val="tx1"/>
-                </a:solidFill>
-              </a:rPr>
-              <a:t>ModifySeatAssignmentsRQ</a:t>
-            </a:r>
-            <a:endParaRPr lang="en-US" sz="1000" dirty="0">
-              <a:solidFill>
-                <a:schemeClr val="tx1"/>
-              </a:solidFill>
-            </a:endParaRPr>
-          </a:p>
-          <a:p>
-            <a:pPr marL="228600" indent="-228600">
-              <a:buFont typeface="+mj-lt"/>
-              <a:buAutoNum type="alphaUcPeriod"/>
-            </a:pPr>
-            <a:r>
-              <a:rPr lang="en-US" sz="1000" dirty="0" err="1" smtClean="0">
-                <a:solidFill>
-                  <a:schemeClr val="tx1"/>
-                </a:solidFill>
-              </a:rPr>
-              <a:t>ModifyPaxInfoRQ</a:t>
-            </a:r>
-            <a:endParaRPr lang="en-US" sz="1000" dirty="0">
-              <a:solidFill>
-                <a:schemeClr val="tx1"/>
-              </a:solidFill>
-            </a:endParaRPr>
-          </a:p>
-          <a:p>
-            <a:endParaRPr lang="en-US" sz="1000" dirty="0">
-              <a:solidFill>
-                <a:schemeClr val="tx1"/>
-              </a:solidFill>
-            </a:endParaRPr>
-          </a:p>
-        </p:txBody>
-      </p:sp>
-      <p:sp>
-        <p:nvSpPr>
           <p:cNvPr id="38" name="TextBox 37"/>
           <p:cNvSpPr txBox="1"/>
           <p:nvPr/>
@@ -13749,122 +13138,6 @@
       </p:cxnSp>
       <p:sp>
         <p:nvSpPr>
-          <p:cNvPr id="120" name="TextBox 119"/>
-          <p:cNvSpPr txBox="1"/>
-          <p:nvPr/>
-        </p:nvSpPr>
-        <p:spPr>
-          <a:xfrm>
-            <a:off x="6720072" y="1611360"/>
-            <a:ext cx="1988747" cy="1323439"/>
-          </a:xfrm>
-          <a:prstGeom prst="rect">
-            <a:avLst/>
-          </a:prstGeom>
-          <a:noFill/>
-          <a:ln>
-            <a:solidFill>
-              <a:schemeClr val="tx1"/>
-            </a:solidFill>
-          </a:ln>
-        </p:spPr>
-        <p:txBody>
-          <a:bodyPr wrap="square" rtlCol="0">
-            <a:spAutoFit/>
-          </a:bodyPr>
-          <a:lstStyle/>
-          <a:p>
-            <a:pPr marL="228600" indent="-228600">
-              <a:buFont typeface="+mj-lt"/>
-              <a:buAutoNum type="alphaUcPeriod"/>
-            </a:pPr>
-            <a:r>
-              <a:rPr lang="en-US" sz="1000" dirty="0" err="1" smtClean="0"/>
-              <a:t>ItineraryCancelRQ</a:t>
-            </a:r>
-            <a:endParaRPr lang="en-US" sz="1000" dirty="0"/>
-          </a:p>
-          <a:p>
-            <a:pPr marL="228600" indent="-228600">
-              <a:buFont typeface="+mj-lt"/>
-              <a:buAutoNum type="alphaUcPeriod"/>
-            </a:pPr>
-            <a:r>
-              <a:rPr lang="en-US" sz="1000" dirty="0" err="1" smtClean="0"/>
-              <a:t>ItineraryConfirmationRQ</a:t>
-            </a:r>
-            <a:endParaRPr lang="en-US" sz="1000" dirty="0"/>
-          </a:p>
-          <a:p>
-            <a:pPr marL="228600" indent="-228600">
-              <a:buFont typeface="+mj-lt"/>
-              <a:buAutoNum type="alphaUcPeriod"/>
-            </a:pPr>
-            <a:r>
-              <a:rPr lang="en-US" sz="1000" dirty="0" err="1" smtClean="0"/>
-              <a:t>ItineraryDetailsRQ</a:t>
-            </a:r>
-            <a:endParaRPr lang="en-US" sz="1000" dirty="0"/>
-          </a:p>
-          <a:p>
-            <a:pPr marL="228600" indent="-228600">
-              <a:buFont typeface="+mj-lt"/>
-              <a:buAutoNum type="alphaUcPeriod"/>
-            </a:pPr>
-            <a:r>
-              <a:rPr lang="en-US" sz="1000" dirty="0" err="1" smtClean="0"/>
-              <a:t>ItineraryNotesRQ</a:t>
-            </a:r>
-            <a:endParaRPr lang="en-US" sz="1000" dirty="0"/>
-          </a:p>
-          <a:p>
-            <a:pPr marL="228600" indent="-228600">
-              <a:buFont typeface="+mj-lt"/>
-              <a:buAutoNum type="alphaUcPeriod"/>
-            </a:pPr>
-            <a:r>
-              <a:rPr lang="en-US" sz="1000" dirty="0" err="1" smtClean="0"/>
-              <a:t>ItineraryQueryRQ</a:t>
-            </a:r>
-            <a:endParaRPr lang="en-US" sz="1000" dirty="0"/>
-          </a:p>
-          <a:p>
-            <a:pPr marL="228600" indent="-228600">
-              <a:buFont typeface="+mj-lt"/>
-              <a:buAutoNum type="alphaUcPeriod"/>
-            </a:pPr>
-            <a:r>
-              <a:rPr lang="en-US" sz="1000" dirty="0" err="1" smtClean="0"/>
-              <a:t>ItinerarySeatRefreshRQ</a:t>
-            </a:r>
-            <a:endParaRPr lang="en-US" sz="1000" dirty="0"/>
-          </a:p>
-          <a:p>
-            <a:pPr marL="228600" indent="-228600">
-              <a:buFont typeface="+mj-lt"/>
-              <a:buAutoNum type="alphaUcPeriod"/>
-            </a:pPr>
-            <a:r>
-              <a:rPr lang="en-US" sz="1000" dirty="0" err="1" smtClean="0"/>
-              <a:t>ItineraryUpdateRQ</a:t>
-            </a:r>
-            <a:endParaRPr lang="en-US" sz="1000" dirty="0"/>
-          </a:p>
-          <a:p>
-            <a:pPr marL="228600" indent="-228600">
-              <a:buFont typeface="+mj-lt"/>
-              <a:buAutoNum type="alphaUcPeriod"/>
-            </a:pPr>
-            <a:r>
-              <a:rPr lang="en-US" sz="1000" dirty="0" err="1" smtClean="0"/>
-              <a:t>ModifyGuestInfoRQ</a:t>
-            </a:r>
-            <a:endParaRPr lang="en-US" sz="1000" dirty="0" smtClean="0"/>
-          </a:p>
-        </p:txBody>
-      </p:sp>
-      <p:sp>
-        <p:nvSpPr>
           <p:cNvPr id="31" name="Rectangle 30"/>
           <p:cNvSpPr/>
           <p:nvPr/>
@@ -14859,122 +14132,6 @@
       </p:cxnSp>
       <p:sp>
         <p:nvSpPr>
-          <p:cNvPr id="120" name="TextBox 119"/>
-          <p:cNvSpPr txBox="1"/>
-          <p:nvPr/>
-        </p:nvSpPr>
-        <p:spPr>
-          <a:xfrm>
-            <a:off x="6720072" y="1611360"/>
-            <a:ext cx="1988747" cy="1323439"/>
-          </a:xfrm>
-          <a:prstGeom prst="rect">
-            <a:avLst/>
-          </a:prstGeom>
-          <a:noFill/>
-          <a:ln>
-            <a:solidFill>
-              <a:schemeClr val="tx1"/>
-            </a:solidFill>
-          </a:ln>
-        </p:spPr>
-        <p:txBody>
-          <a:bodyPr wrap="square" rtlCol="0">
-            <a:spAutoFit/>
-          </a:bodyPr>
-          <a:lstStyle/>
-          <a:p>
-            <a:pPr marL="228600" indent="-228600">
-              <a:buFont typeface="+mj-lt"/>
-              <a:buAutoNum type="alphaUcPeriod"/>
-            </a:pPr>
-            <a:r>
-              <a:rPr lang="en-US" sz="1000" dirty="0" err="1" smtClean="0"/>
-              <a:t>ItineraryCancelRQ</a:t>
-            </a:r>
-            <a:endParaRPr lang="en-US" sz="1000" dirty="0"/>
-          </a:p>
-          <a:p>
-            <a:pPr marL="228600" indent="-228600">
-              <a:buFont typeface="+mj-lt"/>
-              <a:buAutoNum type="alphaUcPeriod"/>
-            </a:pPr>
-            <a:r>
-              <a:rPr lang="en-US" sz="1000" dirty="0" err="1" smtClean="0"/>
-              <a:t>ItineraryConfirmationRQ</a:t>
-            </a:r>
-            <a:endParaRPr lang="en-US" sz="1000" dirty="0"/>
-          </a:p>
-          <a:p>
-            <a:pPr marL="228600" indent="-228600">
-              <a:buFont typeface="+mj-lt"/>
-              <a:buAutoNum type="alphaUcPeriod"/>
-            </a:pPr>
-            <a:r>
-              <a:rPr lang="en-US" sz="1000" dirty="0" err="1" smtClean="0"/>
-              <a:t>ItineraryDetailsRQ</a:t>
-            </a:r>
-            <a:endParaRPr lang="en-US" sz="1000" dirty="0"/>
-          </a:p>
-          <a:p>
-            <a:pPr marL="228600" indent="-228600">
-              <a:buFont typeface="+mj-lt"/>
-              <a:buAutoNum type="alphaUcPeriod"/>
-            </a:pPr>
-            <a:r>
-              <a:rPr lang="en-US" sz="1000" dirty="0" err="1" smtClean="0"/>
-              <a:t>ItineraryNotesRQ</a:t>
-            </a:r>
-            <a:endParaRPr lang="en-US" sz="1000" dirty="0"/>
-          </a:p>
-          <a:p>
-            <a:pPr marL="228600" indent="-228600">
-              <a:buFont typeface="+mj-lt"/>
-              <a:buAutoNum type="alphaUcPeriod"/>
-            </a:pPr>
-            <a:r>
-              <a:rPr lang="en-US" sz="1000" dirty="0" err="1" smtClean="0"/>
-              <a:t>ItineraryQueryRQ</a:t>
-            </a:r>
-            <a:endParaRPr lang="en-US" sz="1000" dirty="0"/>
-          </a:p>
-          <a:p>
-            <a:pPr marL="228600" indent="-228600">
-              <a:buFont typeface="+mj-lt"/>
-              <a:buAutoNum type="alphaUcPeriod"/>
-            </a:pPr>
-            <a:r>
-              <a:rPr lang="en-US" sz="1000" dirty="0" err="1" smtClean="0"/>
-              <a:t>ItinerarySeatRefreshRQ</a:t>
-            </a:r>
-            <a:endParaRPr lang="en-US" sz="1000" dirty="0"/>
-          </a:p>
-          <a:p>
-            <a:pPr marL="228600" indent="-228600">
-              <a:buFont typeface="+mj-lt"/>
-              <a:buAutoNum type="alphaUcPeriod"/>
-            </a:pPr>
-            <a:r>
-              <a:rPr lang="en-US" sz="1000" dirty="0" err="1" smtClean="0"/>
-              <a:t>ItineraryUpdateRQ</a:t>
-            </a:r>
-            <a:endParaRPr lang="en-US" sz="1000" dirty="0"/>
-          </a:p>
-          <a:p>
-            <a:pPr marL="228600" indent="-228600">
-              <a:buFont typeface="+mj-lt"/>
-              <a:buAutoNum type="alphaUcPeriod"/>
-            </a:pPr>
-            <a:r>
-              <a:rPr lang="en-US" sz="1000" dirty="0" err="1" smtClean="0"/>
-              <a:t>ModifyGuestInfoRQ</a:t>
-            </a:r>
-            <a:endParaRPr lang="en-US" sz="1000" dirty="0" smtClean="0"/>
-          </a:p>
-        </p:txBody>
-      </p:sp>
-      <p:sp>
-        <p:nvSpPr>
           <p:cNvPr id="31" name="Rectangle 30"/>
           <p:cNvSpPr/>
           <p:nvPr/>
@@ -15973,122 +15130,6 @@
       </p:cxnSp>
       <p:sp>
         <p:nvSpPr>
-          <p:cNvPr id="120" name="TextBox 119"/>
-          <p:cNvSpPr txBox="1"/>
-          <p:nvPr/>
-        </p:nvSpPr>
-        <p:spPr>
-          <a:xfrm>
-            <a:off x="6720072" y="1611360"/>
-            <a:ext cx="1988747" cy="1323439"/>
-          </a:xfrm>
-          <a:prstGeom prst="rect">
-            <a:avLst/>
-          </a:prstGeom>
-          <a:noFill/>
-          <a:ln>
-            <a:solidFill>
-              <a:schemeClr val="tx1"/>
-            </a:solidFill>
-          </a:ln>
-        </p:spPr>
-        <p:txBody>
-          <a:bodyPr wrap="square" rtlCol="0">
-            <a:spAutoFit/>
-          </a:bodyPr>
-          <a:lstStyle/>
-          <a:p>
-            <a:pPr marL="228600" indent="-228600">
-              <a:buFont typeface="+mj-lt"/>
-              <a:buAutoNum type="alphaUcPeriod"/>
-            </a:pPr>
-            <a:r>
-              <a:rPr lang="en-US" sz="1000" dirty="0" err="1" smtClean="0"/>
-              <a:t>ItineraryCancelRQ</a:t>
-            </a:r>
-            <a:endParaRPr lang="en-US" sz="1000" dirty="0"/>
-          </a:p>
-          <a:p>
-            <a:pPr marL="228600" indent="-228600">
-              <a:buFont typeface="+mj-lt"/>
-              <a:buAutoNum type="alphaUcPeriod"/>
-            </a:pPr>
-            <a:r>
-              <a:rPr lang="en-US" sz="1000" dirty="0" err="1" smtClean="0"/>
-              <a:t>ItineraryConfirmationRQ</a:t>
-            </a:r>
-            <a:endParaRPr lang="en-US" sz="1000" dirty="0"/>
-          </a:p>
-          <a:p>
-            <a:pPr marL="228600" indent="-228600">
-              <a:buFont typeface="+mj-lt"/>
-              <a:buAutoNum type="alphaUcPeriod"/>
-            </a:pPr>
-            <a:r>
-              <a:rPr lang="en-US" sz="1000" dirty="0" err="1" smtClean="0"/>
-              <a:t>ItineraryDetailsRQ</a:t>
-            </a:r>
-            <a:endParaRPr lang="en-US" sz="1000" dirty="0"/>
-          </a:p>
-          <a:p>
-            <a:pPr marL="228600" indent="-228600">
-              <a:buFont typeface="+mj-lt"/>
-              <a:buAutoNum type="alphaUcPeriod"/>
-            </a:pPr>
-            <a:r>
-              <a:rPr lang="en-US" sz="1000" dirty="0" err="1" smtClean="0"/>
-              <a:t>ItineraryNotesRQ</a:t>
-            </a:r>
-            <a:endParaRPr lang="en-US" sz="1000" dirty="0"/>
-          </a:p>
-          <a:p>
-            <a:pPr marL="228600" indent="-228600">
-              <a:buFont typeface="+mj-lt"/>
-              <a:buAutoNum type="alphaUcPeriod"/>
-            </a:pPr>
-            <a:r>
-              <a:rPr lang="en-US" sz="1000" dirty="0" err="1" smtClean="0"/>
-              <a:t>ItineraryQueryRQ</a:t>
-            </a:r>
-            <a:endParaRPr lang="en-US" sz="1000" dirty="0"/>
-          </a:p>
-          <a:p>
-            <a:pPr marL="228600" indent="-228600">
-              <a:buFont typeface="+mj-lt"/>
-              <a:buAutoNum type="alphaUcPeriod"/>
-            </a:pPr>
-            <a:r>
-              <a:rPr lang="en-US" sz="1000" dirty="0" err="1" smtClean="0"/>
-              <a:t>ItinerarySeatRefreshRQ</a:t>
-            </a:r>
-            <a:endParaRPr lang="en-US" sz="1000" dirty="0"/>
-          </a:p>
-          <a:p>
-            <a:pPr marL="228600" indent="-228600">
-              <a:buFont typeface="+mj-lt"/>
-              <a:buAutoNum type="alphaUcPeriod"/>
-            </a:pPr>
-            <a:r>
-              <a:rPr lang="en-US" sz="1000" dirty="0" err="1" smtClean="0"/>
-              <a:t>ItineraryUpdateRQ</a:t>
-            </a:r>
-            <a:endParaRPr lang="en-US" sz="1000" dirty="0"/>
-          </a:p>
-          <a:p>
-            <a:pPr marL="228600" indent="-228600">
-              <a:buFont typeface="+mj-lt"/>
-              <a:buAutoNum type="alphaUcPeriod"/>
-            </a:pPr>
-            <a:r>
-              <a:rPr lang="en-US" sz="1000" dirty="0" err="1" smtClean="0"/>
-              <a:t>ModifyGuestInfoRQ</a:t>
-            </a:r>
-            <a:endParaRPr lang="en-US" sz="1000" dirty="0" smtClean="0"/>
-          </a:p>
-        </p:txBody>
-      </p:sp>
-      <p:sp>
-        <p:nvSpPr>
           <p:cNvPr id="31" name="Rectangle 30"/>
           <p:cNvSpPr/>
           <p:nvPr/>
@@ -17143,122 +16184,6 @@
       </p:cxnSp>
       <p:sp>
         <p:nvSpPr>
-          <p:cNvPr id="120" name="TextBox 119"/>
-          <p:cNvSpPr txBox="1"/>
-          <p:nvPr/>
-        </p:nvSpPr>
-        <p:spPr>
-          <a:xfrm>
-            <a:off x="6720072" y="1611360"/>
-            <a:ext cx="1988747" cy="1323439"/>
-          </a:xfrm>
-          <a:prstGeom prst="rect">
-            <a:avLst/>
-          </a:prstGeom>
-          <a:noFill/>
-          <a:ln>
-            <a:solidFill>
-              <a:schemeClr val="tx1"/>
-            </a:solidFill>
-          </a:ln>
-        </p:spPr>
-        <p:txBody>
-          <a:bodyPr wrap="square" rtlCol="0">
-            <a:spAutoFit/>
-          </a:bodyPr>
-          <a:lstStyle/>
-          <a:p>
-            <a:pPr marL="228600" indent="-228600">
-              <a:buFont typeface="+mj-lt"/>
-              <a:buAutoNum type="alphaUcPeriod"/>
-            </a:pPr>
-            <a:r>
-              <a:rPr lang="en-US" sz="1000" dirty="0" err="1" smtClean="0"/>
-              <a:t>ItineraryCancelRQ</a:t>
-            </a:r>
-            <a:endParaRPr lang="en-US" sz="1000" dirty="0"/>
-          </a:p>
-          <a:p>
-            <a:pPr marL="228600" indent="-228600">
-              <a:buFont typeface="+mj-lt"/>
-              <a:buAutoNum type="alphaUcPeriod"/>
-            </a:pPr>
-            <a:r>
-              <a:rPr lang="en-US" sz="1000" dirty="0" err="1" smtClean="0"/>
-              <a:t>ItineraryConfirmationRQ</a:t>
-            </a:r>
-            <a:endParaRPr lang="en-US" sz="1000" dirty="0"/>
-          </a:p>
-          <a:p>
-            <a:pPr marL="228600" indent="-228600">
-              <a:buFont typeface="+mj-lt"/>
-              <a:buAutoNum type="alphaUcPeriod"/>
-            </a:pPr>
-            <a:r>
-              <a:rPr lang="en-US" sz="1000" dirty="0" err="1" smtClean="0"/>
-              <a:t>ItineraryDetailsRQ</a:t>
-            </a:r>
-            <a:endParaRPr lang="en-US" sz="1000" dirty="0"/>
-          </a:p>
-          <a:p>
-            <a:pPr marL="228600" indent="-228600">
-              <a:buFont typeface="+mj-lt"/>
-              <a:buAutoNum type="alphaUcPeriod"/>
-            </a:pPr>
-            <a:r>
-              <a:rPr lang="en-US" sz="1000" dirty="0" err="1" smtClean="0"/>
-              <a:t>ItineraryNotesRQ</a:t>
-            </a:r>
-            <a:endParaRPr lang="en-US" sz="1000" dirty="0"/>
-          </a:p>
-          <a:p>
-            <a:pPr marL="228600" indent="-228600">
-              <a:buFont typeface="+mj-lt"/>
-              <a:buAutoNum type="alphaUcPeriod"/>
-            </a:pPr>
-            <a:r>
-              <a:rPr lang="en-US" sz="1000" dirty="0" err="1" smtClean="0"/>
-              <a:t>ItineraryQueryRQ</a:t>
-            </a:r>
-            <a:endParaRPr lang="en-US" sz="1000" dirty="0"/>
-          </a:p>
-          <a:p>
-            <a:pPr marL="228600" indent="-228600">
-              <a:buFont typeface="+mj-lt"/>
-              <a:buAutoNum type="alphaUcPeriod"/>
-            </a:pPr>
-            <a:r>
-              <a:rPr lang="en-US" sz="1000" dirty="0" err="1" smtClean="0"/>
-              <a:t>ItinerarySeatRefreshRQ</a:t>
-            </a:r>
-            <a:endParaRPr lang="en-US" sz="1000" dirty="0"/>
-          </a:p>
-          <a:p>
-            <a:pPr marL="228600" indent="-228600">
-              <a:buFont typeface="+mj-lt"/>
-              <a:buAutoNum type="alphaUcPeriod"/>
-            </a:pPr>
-            <a:r>
-              <a:rPr lang="en-US" sz="1000" dirty="0" err="1" smtClean="0"/>
-              <a:t>ItineraryUpdateRQ</a:t>
-            </a:r>
-            <a:endParaRPr lang="en-US" sz="1000" dirty="0"/>
-          </a:p>
-          <a:p>
-            <a:pPr marL="228600" indent="-228600">
-              <a:buFont typeface="+mj-lt"/>
-              <a:buAutoNum type="alphaUcPeriod"/>
-            </a:pPr>
-            <a:r>
-              <a:rPr lang="en-US" sz="1000" dirty="0" err="1" smtClean="0"/>
-              <a:t>ModifyGuestInfoRQ</a:t>
-            </a:r>
-            <a:endParaRPr lang="en-US" sz="1000" dirty="0" smtClean="0"/>
-          </a:p>
-        </p:txBody>
-      </p:sp>
-      <p:sp>
-        <p:nvSpPr>
           <p:cNvPr id="31" name="Rectangle 30"/>
           <p:cNvSpPr/>
           <p:nvPr/>
@@ -18078,122 +17003,6 @@
       </p:cxnSp>
       <p:sp>
         <p:nvSpPr>
-          <p:cNvPr id="120" name="TextBox 119"/>
-          <p:cNvSpPr txBox="1"/>
-          <p:nvPr/>
-        </p:nvSpPr>
-        <p:spPr>
-          <a:xfrm>
-            <a:off x="6720072" y="1611360"/>
-            <a:ext cx="1988747" cy="1323439"/>
-          </a:xfrm>
-          <a:prstGeom prst="rect">
-            <a:avLst/>
-          </a:prstGeom>
-          <a:noFill/>
-          <a:ln>
-            <a:solidFill>
-              <a:schemeClr val="tx1"/>
-            </a:solidFill>
-          </a:ln>
-        </p:spPr>
-        <p:txBody>
-          <a:bodyPr wrap="square" rtlCol="0">
-            <a:spAutoFit/>
-          </a:bodyPr>
-          <a:lstStyle/>
-          <a:p>
-            <a:pPr marL="228600" indent="-228600">
-              <a:buFont typeface="+mj-lt"/>
-              <a:buAutoNum type="alphaUcPeriod"/>
-            </a:pPr>
-            <a:r>
-              <a:rPr lang="en-US" sz="1000" dirty="0" err="1" smtClean="0"/>
-              <a:t>ItineraryCancelRQ</a:t>
-            </a:r>
-            <a:endParaRPr lang="en-US" sz="1000" dirty="0"/>
-          </a:p>
-          <a:p>
-            <a:pPr marL="228600" indent="-228600">
-              <a:buFont typeface="+mj-lt"/>
-              <a:buAutoNum type="alphaUcPeriod"/>
-            </a:pPr>
-            <a:r>
-              <a:rPr lang="en-US" sz="1000" dirty="0" err="1" smtClean="0"/>
-              <a:t>ItineraryConfirmationRQ</a:t>
-            </a:r>
-            <a:endParaRPr lang="en-US" sz="1000" dirty="0"/>
-          </a:p>
-          <a:p>
-            <a:pPr marL="228600" indent="-228600">
-              <a:buFont typeface="+mj-lt"/>
-              <a:buAutoNum type="alphaUcPeriod"/>
-            </a:pPr>
-            <a:r>
-              <a:rPr lang="en-US" sz="1000" dirty="0" err="1" smtClean="0"/>
-              <a:t>ItineraryDetailsRQ</a:t>
-            </a:r>
-            <a:endParaRPr lang="en-US" sz="1000" dirty="0"/>
-          </a:p>
-          <a:p>
-            <a:pPr marL="228600" indent="-228600">
-              <a:buFont typeface="+mj-lt"/>
-              <a:buAutoNum type="alphaUcPeriod"/>
-            </a:pPr>
-            <a:r>
-              <a:rPr lang="en-US" sz="1000" dirty="0" err="1" smtClean="0"/>
-              <a:t>ItineraryNotesRQ</a:t>
-            </a:r>
-            <a:endParaRPr lang="en-US" sz="1000" dirty="0"/>
-          </a:p>
-          <a:p>
-            <a:pPr marL="228600" indent="-228600">
-              <a:buFont typeface="+mj-lt"/>
-              <a:buAutoNum type="alphaUcPeriod"/>
-            </a:pPr>
-            <a:r>
-              <a:rPr lang="en-US" sz="1000" dirty="0" err="1" smtClean="0"/>
-              <a:t>ItineraryQueryRQ</a:t>
-            </a:r>
-            <a:endParaRPr lang="en-US" sz="1000" dirty="0"/>
-          </a:p>
-          <a:p>
-            <a:pPr marL="228600" indent="-228600">
-              <a:buFont typeface="+mj-lt"/>
-              <a:buAutoNum type="alphaUcPeriod"/>
-            </a:pPr>
-            <a:r>
-              <a:rPr lang="en-US" sz="1000" dirty="0" err="1" smtClean="0"/>
-              <a:t>ItinerarySeatRefreshRQ</a:t>
-            </a:r>
-            <a:endParaRPr lang="en-US" sz="1000" dirty="0"/>
-          </a:p>
-          <a:p>
-            <a:pPr marL="228600" indent="-228600">
-              <a:buFont typeface="+mj-lt"/>
-              <a:buAutoNum type="alphaUcPeriod"/>
-            </a:pPr>
-            <a:r>
-              <a:rPr lang="en-US" sz="1000" dirty="0" err="1" smtClean="0"/>
-              <a:t>ItineraryUpdateRQ</a:t>
-            </a:r>
-            <a:endParaRPr lang="en-US" sz="1000" dirty="0"/>
-          </a:p>
-          <a:p>
-            <a:pPr marL="228600" indent="-228600">
-              <a:buFont typeface="+mj-lt"/>
-              <a:buAutoNum type="alphaUcPeriod"/>
-            </a:pPr>
-            <a:r>
-              <a:rPr lang="en-US" sz="1000" dirty="0" err="1" smtClean="0"/>
-              <a:t>ModifyGuestInfoRQ</a:t>
-            </a:r>
-            <a:endParaRPr lang="en-US" sz="1000" dirty="0" smtClean="0"/>
-          </a:p>
-        </p:txBody>
-      </p:sp>
-      <p:sp>
-        <p:nvSpPr>
           <p:cNvPr id="31" name="Rectangle 30"/>
           <p:cNvSpPr/>
           <p:nvPr/>
@@ -19162,122 +17971,6 @@
       </p:cxnSp>
       <p:sp>
         <p:nvSpPr>
-          <p:cNvPr id="120" name="TextBox 119"/>
-          <p:cNvSpPr txBox="1"/>
-          <p:nvPr/>
-        </p:nvSpPr>
-        <p:spPr>
-          <a:xfrm>
-            <a:off x="6720072" y="1611360"/>
-            <a:ext cx="1988747" cy="1323439"/>
-          </a:xfrm>
-          <a:prstGeom prst="rect">
-            <a:avLst/>
-          </a:prstGeom>
-          <a:noFill/>
-          <a:ln>
-            <a:solidFill>
-              <a:schemeClr val="tx1"/>
-            </a:solidFill>
-          </a:ln>
-        </p:spPr>
-        <p:txBody>
-          <a:bodyPr wrap="square" rtlCol="0">
-            <a:spAutoFit/>
-          </a:bodyPr>
-          <a:lstStyle/>
-          <a:p>
-            <a:pPr marL="228600" indent="-228600">
-              <a:buFont typeface="+mj-lt"/>
-              <a:buAutoNum type="alphaUcPeriod"/>
-            </a:pPr>
-            <a:r>
-              <a:rPr lang="en-US" sz="1000" dirty="0" err="1" smtClean="0"/>
-              <a:t>ItineraryCancelRQ</a:t>
-            </a:r>
-            <a:endParaRPr lang="en-US" sz="1000" dirty="0"/>
-          </a:p>
-          <a:p>
-            <a:pPr marL="228600" indent="-228600">
-              <a:buFont typeface="+mj-lt"/>
-              <a:buAutoNum type="alphaUcPeriod"/>
-            </a:pPr>
-            <a:r>
-              <a:rPr lang="en-US" sz="1000" dirty="0" err="1" smtClean="0"/>
-              <a:t>ItineraryConfirmationRQ</a:t>
-            </a:r>
-            <a:endParaRPr lang="en-US" sz="1000" dirty="0"/>
-          </a:p>
-          <a:p>
-            <a:pPr marL="228600" indent="-228600">
-              <a:buFont typeface="+mj-lt"/>
-              <a:buAutoNum type="alphaUcPeriod"/>
-            </a:pPr>
-            <a:r>
-              <a:rPr lang="en-US" sz="1000" dirty="0" err="1" smtClean="0"/>
-              <a:t>ItineraryDetailsRQ</a:t>
-            </a:r>
-            <a:endParaRPr lang="en-US" sz="1000" dirty="0"/>
-          </a:p>
-          <a:p>
-            <a:pPr marL="228600" indent="-228600">
-              <a:buFont typeface="+mj-lt"/>
-              <a:buAutoNum type="alphaUcPeriod"/>
-            </a:pPr>
-            <a:r>
-              <a:rPr lang="en-US" sz="1000" dirty="0" err="1" smtClean="0"/>
-              <a:t>ItineraryNotesRQ</a:t>
-            </a:r>
-            <a:endParaRPr lang="en-US" sz="1000" dirty="0"/>
-          </a:p>
-          <a:p>
-            <a:pPr marL="228600" indent="-228600">
-              <a:buFont typeface="+mj-lt"/>
-              <a:buAutoNum type="alphaUcPeriod"/>
-            </a:pPr>
-            <a:r>
-              <a:rPr lang="en-US" sz="1000" dirty="0" err="1" smtClean="0"/>
-              <a:t>ItineraryQueryRQ</a:t>
-            </a:r>
-            <a:endParaRPr lang="en-US" sz="1000" dirty="0"/>
-          </a:p>
-          <a:p>
-            <a:pPr marL="228600" indent="-228600">
-              <a:buFont typeface="+mj-lt"/>
-              <a:buAutoNum type="alphaUcPeriod"/>
-            </a:pPr>
-            <a:r>
-              <a:rPr lang="en-US" sz="1000" dirty="0" err="1" smtClean="0"/>
-              <a:t>ItinerarySeatRefreshRQ</a:t>
-            </a:r>
-            <a:endParaRPr lang="en-US" sz="1000" dirty="0"/>
-          </a:p>
-          <a:p>
-            <a:pPr marL="228600" indent="-228600">
-              <a:buFont typeface="+mj-lt"/>
-              <a:buAutoNum type="alphaUcPeriod"/>
-            </a:pPr>
-            <a:r>
-              <a:rPr lang="en-US" sz="1000" dirty="0" err="1" smtClean="0"/>
-              <a:t>ItineraryUpdateRQ</a:t>
-            </a:r>
-            <a:endParaRPr lang="en-US" sz="1000" dirty="0"/>
-          </a:p>
-          <a:p>
-            <a:pPr marL="228600" indent="-228600">
-              <a:buFont typeface="+mj-lt"/>
-              <a:buAutoNum type="alphaUcPeriod"/>
-            </a:pPr>
-            <a:r>
-              <a:rPr lang="en-US" sz="1000" dirty="0" err="1" smtClean="0"/>
-              <a:t>ModifyGuestInfoRQ</a:t>
-            </a:r>
-            <a:endParaRPr lang="en-US" sz="1000" dirty="0" smtClean="0"/>
-          </a:p>
-        </p:txBody>
-      </p:sp>
-      <p:sp>
-        <p:nvSpPr>
           <p:cNvPr id="31" name="Rectangle 30"/>
           <p:cNvSpPr/>
           <p:nvPr/>
@@ -20084,111 +18777,6 @@
       </p:cxnSp>
       <p:sp>
         <p:nvSpPr>
-          <p:cNvPr id="120" name="TextBox 119"/>
-          <p:cNvSpPr txBox="1"/>
-          <p:nvPr/>
-        </p:nvSpPr>
-        <p:spPr>
-          <a:xfrm>
-            <a:off x="6720072" y="1611360"/>
-            <a:ext cx="1988747" cy="1169551"/>
-          </a:xfrm>
-          <a:prstGeom prst="rect">
-            <a:avLst/>
-          </a:prstGeom>
-          <a:noFill/>
-          <a:ln>
-            <a:solidFill>
-              <a:schemeClr val="tx1"/>
-            </a:solidFill>
-          </a:ln>
-        </p:spPr>
-        <p:txBody>
-          <a:bodyPr wrap="square" rtlCol="0">
-            <a:spAutoFit/>
-          </a:bodyPr>
-          <a:lstStyle/>
-          <a:p>
-            <a:pPr marL="228600" indent="-228600">
-              <a:buFont typeface="+mj-lt"/>
-              <a:buAutoNum type="alphaUcPeriod"/>
-            </a:pPr>
-            <a:r>
-              <a:rPr lang="en-US" sz="1000" dirty="0" err="1" smtClean="0"/>
-              <a:t>ItineraryCancelRQ</a:t>
-            </a:r>
-            <a:endParaRPr lang="en-US" sz="1000" dirty="0"/>
-          </a:p>
-          <a:p>
-            <a:pPr marL="228600" indent="-228600">
-              <a:buFont typeface="+mj-lt"/>
-              <a:buAutoNum type="alphaUcPeriod"/>
-            </a:pPr>
-            <a:r>
-              <a:rPr lang="en-US" sz="1000" dirty="0" err="1" smtClean="0"/>
-              <a:t>ItineraryConfirmationRQ</a:t>
-            </a:r>
-            <a:endParaRPr lang="en-US" sz="1000" dirty="0"/>
-          </a:p>
-          <a:p>
-            <a:pPr marL="228600" indent="-228600">
-              <a:buFont typeface="+mj-lt"/>
-              <a:buAutoNum type="alphaUcPeriod"/>
-            </a:pPr>
-            <a:r>
-              <a:rPr lang="en-US" sz="1000" dirty="0" err="1" smtClean="0"/>
-              <a:t>ItineraryDetailsRQ</a:t>
-            </a:r>
-            <a:endParaRPr lang="en-US" sz="1000" dirty="0"/>
-          </a:p>
-          <a:p>
-            <a:pPr marL="228600" indent="-228600">
-              <a:buFont typeface="+mj-lt"/>
-              <a:buAutoNum type="alphaUcPeriod"/>
-            </a:pPr>
-            <a:r>
-              <a:rPr lang="en-US" sz="1000" dirty="0" err="1" smtClean="0"/>
-              <a:t>ItineraryNotesRQ</a:t>
-            </a:r>
-            <a:endParaRPr lang="en-US" sz="1000" dirty="0"/>
-          </a:p>
-          <a:p>
-            <a:pPr marL="228600" indent="-228600">
-              <a:buFont typeface="+mj-lt"/>
-              <a:buAutoNum type="alphaUcPeriod"/>
-            </a:pPr>
-            <a:r>
-              <a:rPr lang="en-US" sz="1000" dirty="0" err="1" smtClean="0"/>
-              <a:t>ItineraryQueryRQ</a:t>
-            </a:r>
-            <a:endParaRPr lang="en-US" sz="1000" dirty="0"/>
-          </a:p>
-          <a:p>
-            <a:pPr marL="228600" indent="-228600">
-              <a:buFont typeface="+mj-lt"/>
-              <a:buAutoNum type="alphaUcPeriod"/>
-            </a:pPr>
-            <a:r>
-              <a:rPr lang="en-US" sz="1000" dirty="0" err="1" smtClean="0"/>
-              <a:t>ItinerarySeatRefreshRQ</a:t>
-            </a:r>
-            <a:endParaRPr lang="en-US" sz="1000" dirty="0"/>
-          </a:p>
-          <a:p>
-            <a:pPr marL="228600" indent="-228600">
-              <a:buFont typeface="+mj-lt"/>
-              <a:buAutoNum type="alphaUcPeriod"/>
-            </a:pPr>
-            <a:r>
-              <a:rPr lang="en-US" sz="1000" dirty="0" err="1" smtClean="0"/>
-              <a:t>ItineraryUpdateRQ</a:t>
-            </a:r>
-            <a:endParaRPr lang="en-US" sz="1000" dirty="0"/>
-          </a:p>
-        </p:txBody>
-      </p:sp>
-      <p:sp>
-        <p:nvSpPr>
           <p:cNvPr id="31" name="Rectangle 30"/>
           <p:cNvSpPr/>
           <p:nvPr/>
@@ -21443,116 +20031,6 @@
       </p:sp>
       <p:sp>
         <p:nvSpPr>
-          <p:cNvPr id="20" name="Rectangle 19"/>
-          <p:cNvSpPr/>
-          <p:nvPr/>
-        </p:nvSpPr>
-        <p:spPr>
-          <a:xfrm>
-            <a:off x="6458334" y="2042808"/>
-            <a:ext cx="1644805" cy="630430"/>
-          </a:xfrm>
-          <a:prstGeom prst="rect">
-            <a:avLst/>
-          </a:prstGeom>
-          <a:solidFill>
-            <a:schemeClr val="bg1">
-              <a:lumMod val="95000"/>
-            </a:schemeClr>
-          </a:solidFill>
-          <a:ln>
-            <a:solidFill>
-              <a:schemeClr val="tx1"/>
-            </a:solidFill>
-          </a:ln>
-        </p:spPr>
-        <p:style>
-          <a:lnRef idx="2">
-            <a:schemeClr val="accent1">
-              <a:shade val="50000"/>
-            </a:schemeClr>
-          </a:lnRef>
-          <a:fillRef idx="1">
-            <a:schemeClr val="accent1"/>
-          </a:fillRef>
-          <a:effectRef idx="0">
-            <a:schemeClr val="accent1"/>
-          </a:effectRef>
-          <a:fontRef idx="minor">
-            <a:schemeClr val="lt1"/>
-          </a:fontRef>
-        </p:style>
-        <p:txBody>
-          <a:bodyPr rtlCol="0" anchor="t"/>
-          <a:lstStyle/>
-          <a:p>
-            <a:pPr marL="228600" indent="-228600">
-              <a:buFont typeface="+mj-lt"/>
-              <a:buAutoNum type="alphaUcPeriod"/>
-            </a:pPr>
-            <a:r>
-              <a:rPr lang="en-US" sz="1000" dirty="0" err="1" smtClean="0">
-                <a:solidFill>
-                  <a:schemeClr val="tx1"/>
-                </a:solidFill>
-              </a:rPr>
-              <a:t>InsuranceAvailabilityRQ</a:t>
-            </a:r>
-            <a:endParaRPr lang="en-US" sz="1000" dirty="0">
-              <a:solidFill>
-                <a:schemeClr val="tx1"/>
-              </a:solidFill>
-            </a:endParaRPr>
-          </a:p>
-          <a:p>
-            <a:pPr marL="228600" indent="-228600">
-              <a:buFont typeface="+mj-lt"/>
-              <a:buAutoNum type="alphaUcPeriod"/>
-            </a:pPr>
-            <a:r>
-              <a:rPr lang="en-US" sz="1000" dirty="0" err="1" smtClean="0">
-                <a:solidFill>
-                  <a:schemeClr val="tx1"/>
-                </a:solidFill>
-              </a:rPr>
-              <a:t>InsuranceQuoteRQ</a:t>
-            </a:r>
-            <a:endParaRPr lang="en-US" sz="1000" dirty="0" smtClean="0">
-              <a:solidFill>
-                <a:schemeClr val="tx1"/>
-              </a:solidFill>
-            </a:endParaRPr>
-          </a:p>
-          <a:p>
-            <a:pPr marL="228600" indent="-228600">
-              <a:buFont typeface="+mj-lt"/>
-              <a:buAutoNum type="alphaUcPeriod"/>
-            </a:pPr>
-            <a:r>
-              <a:rPr lang="en-US" sz="1000" dirty="0" err="1" smtClean="0">
-                <a:solidFill>
-                  <a:schemeClr val="tx1"/>
-                </a:solidFill>
-              </a:rPr>
-              <a:t>InsuranceResRQ</a:t>
-            </a:r>
-            <a:endParaRPr lang="en-US" sz="1000" dirty="0">
-              <a:solidFill>
-                <a:schemeClr val="tx1"/>
-              </a:solidFill>
-            </a:endParaRPr>
-          </a:p>
-          <a:p>
-            <a:endParaRPr lang="en-US" sz="1000" dirty="0">
-              <a:solidFill>
-                <a:schemeClr val="tx1"/>
-              </a:solidFill>
-            </a:endParaRPr>
-          </a:p>
-        </p:txBody>
-      </p:sp>
-      <p:sp>
-        <p:nvSpPr>
           <p:cNvPr id="38" name="TextBox 37"/>
           <p:cNvSpPr txBox="1"/>
           <p:nvPr/>
@@ -22239,70 +20717,6 @@
       </p:cxnSp>
       <p:sp>
         <p:nvSpPr>
-          <p:cNvPr id="120" name="TextBox 119"/>
-          <p:cNvSpPr txBox="1"/>
-          <p:nvPr/>
-        </p:nvSpPr>
-        <p:spPr>
-          <a:xfrm>
-            <a:off x="6720072" y="1611360"/>
-            <a:ext cx="1988747" cy="553998"/>
-          </a:xfrm>
-          <a:prstGeom prst="rect">
-            <a:avLst/>
-          </a:prstGeom>
-          <a:noFill/>
-          <a:ln>
-            <a:solidFill>
-              <a:schemeClr val="tx1"/>
-            </a:solidFill>
-          </a:ln>
-        </p:spPr>
-        <p:txBody>
-          <a:bodyPr wrap="square" rtlCol="0">
-            <a:spAutoFit/>
-          </a:bodyPr>
-          <a:lstStyle/>
-          <a:p>
-            <a:pPr marL="228600" indent="-228600">
-              <a:buFont typeface="+mj-lt"/>
-              <a:buAutoNum type="alphaUcPeriod"/>
-            </a:pPr>
-            <a:r>
-              <a:rPr lang="en-US" sz="1000" dirty="0" err="1"/>
-              <a:t>RoomAvailabilityRQ</a:t>
-            </a:r>
-            <a:endParaRPr lang="en-US" sz="1000" dirty="0"/>
-          </a:p>
-          <a:p>
-            <a:pPr marL="228600" indent="-228600">
-              <a:buFont typeface="+mj-lt"/>
-              <a:buAutoNum type="alphaUcPeriod"/>
-            </a:pPr>
-            <a:r>
-              <a:rPr lang="en-US" sz="1000" dirty="0" err="1"/>
-              <a:t>RoomQuoteRQ</a:t>
-            </a:r>
-            <a:r>
-              <a:rPr lang="en-US" sz="1000" dirty="0"/>
-              <a:t>  </a:t>
-            </a:r>
-          </a:p>
-          <a:p>
-            <a:pPr marL="228600" indent="-228600">
-              <a:buFont typeface="+mj-lt"/>
-              <a:buAutoNum type="alphaUcPeriod"/>
-            </a:pPr>
-            <a:r>
-              <a:rPr lang="en-US" sz="1000" dirty="0" err="1"/>
-              <a:t>RoomResRQ</a:t>
-            </a:r>
-            <a:endParaRPr lang="en-US" sz="1000" dirty="0"/>
-          </a:p>
-        </p:txBody>
-      </p:sp>
-      <p:sp>
-        <p:nvSpPr>
           <p:cNvPr id="31" name="Rectangle 30"/>
           <p:cNvSpPr/>
           <p:nvPr/>
@@ -23197,70 +21611,6 @@
       </p:cxnSp>
       <p:sp>
         <p:nvSpPr>
-          <p:cNvPr id="120" name="TextBox 119"/>
-          <p:cNvSpPr txBox="1"/>
-          <p:nvPr/>
-        </p:nvSpPr>
-        <p:spPr>
-          <a:xfrm>
-            <a:off x="6720072" y="1611360"/>
-            <a:ext cx="1988747" cy="553998"/>
-          </a:xfrm>
-          <a:prstGeom prst="rect">
-            <a:avLst/>
-          </a:prstGeom>
-          <a:noFill/>
-          <a:ln>
-            <a:solidFill>
-              <a:schemeClr val="tx1"/>
-            </a:solidFill>
-          </a:ln>
-        </p:spPr>
-        <p:txBody>
-          <a:bodyPr wrap="square" rtlCol="0">
-            <a:spAutoFit/>
-          </a:bodyPr>
-          <a:lstStyle/>
-          <a:p>
-            <a:pPr marL="228600" indent="-228600">
-              <a:buFont typeface="+mj-lt"/>
-              <a:buAutoNum type="alphaUcPeriod"/>
-            </a:pPr>
-            <a:r>
-              <a:rPr lang="en-US" sz="1000" dirty="0" err="1"/>
-              <a:t>RoomAvailabilityRQ</a:t>
-            </a:r>
-            <a:endParaRPr lang="en-US" sz="1000" dirty="0"/>
-          </a:p>
-          <a:p>
-            <a:pPr marL="228600" indent="-228600">
-              <a:buFont typeface="+mj-lt"/>
-              <a:buAutoNum type="alphaUcPeriod"/>
-            </a:pPr>
-            <a:r>
-              <a:rPr lang="en-US" sz="1000" dirty="0" err="1"/>
-              <a:t>RoomQuoteRQ</a:t>
-            </a:r>
-            <a:r>
-              <a:rPr lang="en-US" sz="1000" dirty="0"/>
-              <a:t>  </a:t>
-            </a:r>
-          </a:p>
-          <a:p>
-            <a:pPr marL="228600" indent="-228600">
-              <a:buFont typeface="+mj-lt"/>
-              <a:buAutoNum type="alphaUcPeriod"/>
-            </a:pPr>
-            <a:r>
-              <a:rPr lang="en-US" sz="1000" dirty="0" err="1"/>
-              <a:t>RoomResRQ</a:t>
-            </a:r>
-            <a:endParaRPr lang="en-US" sz="1000" dirty="0"/>
-          </a:p>
-        </p:txBody>
-      </p:sp>
-      <p:sp>
-        <p:nvSpPr>
           <p:cNvPr id="31" name="Rectangle 30"/>
           <p:cNvSpPr/>
           <p:nvPr/>
@@ -24158,70 +22508,6 @@
       </p:cxnSp>
       <p:sp>
         <p:nvSpPr>
-          <p:cNvPr id="120" name="TextBox 119"/>
-          <p:cNvSpPr txBox="1"/>
-          <p:nvPr/>
-        </p:nvSpPr>
-        <p:spPr>
-          <a:xfrm>
-            <a:off x="6720072" y="1611360"/>
-            <a:ext cx="1988747" cy="553998"/>
-          </a:xfrm>
-          <a:prstGeom prst="rect">
-            <a:avLst/>
-          </a:prstGeom>
-          <a:noFill/>
-          <a:ln>
-            <a:solidFill>
-              <a:schemeClr val="tx1"/>
-            </a:solidFill>
-          </a:ln>
-        </p:spPr>
-        <p:txBody>
-          <a:bodyPr wrap="square" rtlCol="0">
-            <a:spAutoFit/>
-          </a:bodyPr>
-          <a:lstStyle/>
-          <a:p>
-            <a:pPr marL="228600" indent="-228600">
-              <a:buFont typeface="+mj-lt"/>
-              <a:buAutoNum type="alphaUcPeriod"/>
-            </a:pPr>
-            <a:r>
-              <a:rPr lang="en-US" sz="1000" dirty="0" err="1"/>
-              <a:t>RoomAvailabilityRQ</a:t>
-            </a:r>
-            <a:endParaRPr lang="en-US" sz="1000" dirty="0"/>
-          </a:p>
-          <a:p>
-            <a:pPr marL="228600" indent="-228600">
-              <a:buFont typeface="+mj-lt"/>
-              <a:buAutoNum type="alphaUcPeriod"/>
-            </a:pPr>
-            <a:r>
-              <a:rPr lang="en-US" sz="1000" dirty="0" err="1"/>
-              <a:t>RoomQuoteRQ</a:t>
-            </a:r>
-            <a:r>
-              <a:rPr lang="en-US" sz="1000" dirty="0"/>
-              <a:t>  </a:t>
-            </a:r>
-          </a:p>
-          <a:p>
-            <a:pPr marL="228600" indent="-228600">
-              <a:buFont typeface="+mj-lt"/>
-              <a:buAutoNum type="alphaUcPeriod"/>
-            </a:pPr>
-            <a:r>
-              <a:rPr lang="en-US" sz="1000" dirty="0" err="1"/>
-              <a:t>RoomResRQ</a:t>
-            </a:r>
-            <a:endParaRPr lang="en-US" sz="1000" dirty="0"/>
-          </a:p>
-        </p:txBody>
-      </p:sp>
-      <p:sp>
-        <p:nvSpPr>
           <p:cNvPr id="31" name="Rectangle 30"/>
           <p:cNvSpPr/>
           <p:nvPr/>
@@ -25248,67 +23534,6 @@
       </p:cxnSp>
       <p:sp>
         <p:nvSpPr>
-          <p:cNvPr id="120" name="TextBox 119"/>
-          <p:cNvSpPr txBox="1"/>
-          <p:nvPr/>
-        </p:nvSpPr>
-        <p:spPr>
-          <a:xfrm>
-            <a:off x="6720072" y="1611360"/>
-            <a:ext cx="1988747" cy="553998"/>
-          </a:xfrm>
-          <a:prstGeom prst="rect">
-            <a:avLst/>
-          </a:prstGeom>
-          <a:noFill/>
-          <a:ln>
-            <a:solidFill>
-              <a:schemeClr val="tx1"/>
-            </a:solidFill>
-          </a:ln>
-        </p:spPr>
-        <p:txBody>
-          <a:bodyPr wrap="square" rtlCol="0">
-            <a:spAutoFit/>
-          </a:bodyPr>
-          <a:lstStyle/>
-          <a:p>
-            <a:pPr marL="228600" indent="-228600">
-              <a:buFont typeface="+mj-lt"/>
-              <a:buAutoNum type="alphaUcPeriod"/>
-            </a:pPr>
-            <a:r>
-              <a:rPr lang="en-US" sz="1000" dirty="0" err="1"/>
-              <a:t>MiscAvailabilityRQ</a:t>
-            </a:r>
-            <a:endParaRPr lang="en-US" sz="1000" dirty="0"/>
-          </a:p>
-          <a:p>
-            <a:pPr marL="228600" indent="-228600">
-              <a:buFont typeface="+mj-lt"/>
-              <a:buAutoNum type="alphaUcPeriod"/>
-            </a:pPr>
-            <a:r>
-              <a:rPr lang="en-US" sz="1000" dirty="0" err="1"/>
-              <a:t>MiscQuoteRQ</a:t>
-            </a:r>
-            <a:endParaRPr lang="en-US" sz="1000" dirty="0"/>
-          </a:p>
-          <a:p>
-            <a:pPr marL="228600" indent="-228600">
-              <a:buFont typeface="+mj-lt"/>
-              <a:buAutoNum type="alphaUcPeriod"/>
-            </a:pPr>
-            <a:r>
-              <a:rPr lang="en-US" sz="1000" dirty="0" err="1"/>
-              <a:t>MiscResRQ</a:t>
-            </a:r>
-            <a:endParaRPr lang="en-US" sz="1000" dirty="0"/>
-          </a:p>
-        </p:txBody>
-      </p:sp>
-      <p:sp>
-        <p:nvSpPr>
           <p:cNvPr id="31" name="Rectangle 30"/>
           <p:cNvSpPr/>
           <p:nvPr/>
@@ -26339,67 +24564,6 @@
       </p:cxnSp>
       <p:sp>
         <p:nvSpPr>
-          <p:cNvPr id="120" name="TextBox 119"/>
-          <p:cNvSpPr txBox="1"/>
-          <p:nvPr/>
-        </p:nvSpPr>
-        <p:spPr>
-          <a:xfrm>
-            <a:off x="6720072" y="1611360"/>
-            <a:ext cx="1988747" cy="553998"/>
-          </a:xfrm>
-          <a:prstGeom prst="rect">
-            <a:avLst/>
-          </a:prstGeom>
-          <a:noFill/>
-          <a:ln>
-            <a:solidFill>
-              <a:schemeClr val="tx1"/>
-            </a:solidFill>
-          </a:ln>
-        </p:spPr>
-        <p:txBody>
-          <a:bodyPr wrap="square" rtlCol="0">
-            <a:spAutoFit/>
-          </a:bodyPr>
-          <a:lstStyle/>
-          <a:p>
-            <a:pPr marL="228600" indent="-228600">
-              <a:buFont typeface="+mj-lt"/>
-              <a:buAutoNum type="alphaUcPeriod"/>
-            </a:pPr>
-            <a:r>
-              <a:rPr lang="en-US" sz="1000" dirty="0" err="1"/>
-              <a:t>MiscAvailabilityRQ</a:t>
-            </a:r>
-            <a:endParaRPr lang="en-US" sz="1000" dirty="0"/>
-          </a:p>
-          <a:p>
-            <a:pPr marL="228600" indent="-228600">
-              <a:buFont typeface="+mj-lt"/>
-              <a:buAutoNum type="alphaUcPeriod"/>
-            </a:pPr>
-            <a:r>
-              <a:rPr lang="en-US" sz="1000" dirty="0" err="1"/>
-              <a:t>MiscQuoteRQ</a:t>
-            </a:r>
-            <a:endParaRPr lang="en-US" sz="1000" dirty="0"/>
-          </a:p>
-          <a:p>
-            <a:pPr marL="228600" indent="-228600">
-              <a:buFont typeface="+mj-lt"/>
-              <a:buAutoNum type="alphaUcPeriod"/>
-            </a:pPr>
-            <a:r>
-              <a:rPr lang="en-US" sz="1000" dirty="0" err="1"/>
-              <a:t>MiscResRQ</a:t>
-            </a:r>
-            <a:endParaRPr lang="en-US" sz="1000" dirty="0"/>
-          </a:p>
-        </p:txBody>
-      </p:sp>
-      <p:sp>
-        <p:nvSpPr>
           <p:cNvPr id="31" name="Rectangle 30"/>
           <p:cNvSpPr/>
           <p:nvPr/>
@@ -27438,67 +25602,6 @@
       </p:cxnSp>
       <p:sp>
         <p:nvSpPr>
-          <p:cNvPr id="120" name="TextBox 119"/>
-          <p:cNvSpPr txBox="1"/>
-          <p:nvPr/>
-        </p:nvSpPr>
-        <p:spPr>
-          <a:xfrm>
-            <a:off x="6720072" y="1611360"/>
-            <a:ext cx="1988747" cy="553998"/>
-          </a:xfrm>
-          <a:prstGeom prst="rect">
-            <a:avLst/>
-          </a:prstGeom>
-          <a:noFill/>
-          <a:ln>
-            <a:solidFill>
-              <a:schemeClr val="tx1"/>
-            </a:solidFill>
-          </a:ln>
-        </p:spPr>
-        <p:txBody>
-          <a:bodyPr wrap="square" rtlCol="0">
-            <a:spAutoFit/>
-          </a:bodyPr>
-          <a:lstStyle/>
-          <a:p>
-            <a:pPr marL="228600" indent="-228600">
-              <a:buFont typeface="+mj-lt"/>
-              <a:buAutoNum type="alphaUcPeriod"/>
-            </a:pPr>
-            <a:r>
-              <a:rPr lang="en-US" sz="1000" dirty="0" err="1"/>
-              <a:t>MiscAvailabilityRQ</a:t>
-            </a:r>
-            <a:endParaRPr lang="en-US" sz="1000" dirty="0"/>
-          </a:p>
-          <a:p>
-            <a:pPr marL="228600" indent="-228600">
-              <a:buFont typeface="+mj-lt"/>
-              <a:buAutoNum type="alphaUcPeriod"/>
-            </a:pPr>
-            <a:r>
-              <a:rPr lang="en-US" sz="1000" dirty="0" err="1"/>
-              <a:t>MiscQuoteRQ</a:t>
-            </a:r>
-            <a:endParaRPr lang="en-US" sz="1000" dirty="0"/>
-          </a:p>
-          <a:p>
-            <a:pPr marL="228600" indent="-228600">
-              <a:buFont typeface="+mj-lt"/>
-              <a:buAutoNum type="alphaUcPeriod"/>
-            </a:pPr>
-            <a:r>
-              <a:rPr lang="en-US" sz="1000" dirty="0" err="1"/>
-              <a:t>MiscResRQ</a:t>
-            </a:r>
-            <a:endParaRPr lang="en-US" sz="1000" dirty="0"/>
-          </a:p>
-        </p:txBody>
-      </p:sp>
-      <p:sp>
-        <p:nvSpPr>
           <p:cNvPr id="31" name="Rectangle 30"/>
           <p:cNvSpPr/>
           <p:nvPr/>
@@ -28694,116 +26797,6 @@
       </p:sp>
       <p:sp>
         <p:nvSpPr>
-          <p:cNvPr id="20" name="Rectangle 19"/>
-          <p:cNvSpPr/>
-          <p:nvPr/>
-        </p:nvSpPr>
-        <p:spPr>
-          <a:xfrm>
-            <a:off x="6458334" y="2042808"/>
-            <a:ext cx="1644805" cy="630430"/>
-          </a:xfrm>
-          <a:prstGeom prst="rect">
-            <a:avLst/>
-          </a:prstGeom>
-          <a:solidFill>
-            <a:schemeClr val="bg1">
-              <a:lumMod val="95000"/>
-            </a:schemeClr>
-          </a:solidFill>
-          <a:ln>
-            <a:solidFill>
-              <a:schemeClr val="tx1"/>
-            </a:solidFill>
-          </a:ln>
-        </p:spPr>
-        <p:style>
-          <a:lnRef idx="2">
-            <a:schemeClr val="accent1">
-              <a:shade val="50000"/>
-            </a:schemeClr>
-          </a:lnRef>
-          <a:fillRef idx="1">
-            <a:schemeClr val="accent1"/>
-          </a:fillRef>
-          <a:effectRef idx="0">
-            <a:schemeClr val="accent1"/>
-          </a:effectRef>
-          <a:fontRef idx="minor">
-            <a:schemeClr val="lt1"/>
-          </a:fontRef>
-        </p:style>
-        <p:txBody>
-          <a:bodyPr rtlCol="0" anchor="t"/>
-          <a:lstStyle/>
-          <a:p>
-            <a:pPr marL="228600" indent="-228600">
-              <a:buFont typeface="+mj-lt"/>
-              <a:buAutoNum type="alphaUcPeriod"/>
-            </a:pPr>
-            <a:r>
-              <a:rPr lang="en-US" sz="1000" dirty="0" err="1" smtClean="0">
-                <a:solidFill>
-                  <a:schemeClr val="tx1"/>
-                </a:solidFill>
-              </a:rPr>
-              <a:t>InsuranceAvailabilityRQ</a:t>
-            </a:r>
-            <a:endParaRPr lang="en-US" sz="1000" dirty="0">
-              <a:solidFill>
-                <a:schemeClr val="tx1"/>
-              </a:solidFill>
-            </a:endParaRPr>
-          </a:p>
-          <a:p>
-            <a:pPr marL="228600" indent="-228600">
-              <a:buFont typeface="+mj-lt"/>
-              <a:buAutoNum type="alphaUcPeriod"/>
-            </a:pPr>
-            <a:r>
-              <a:rPr lang="en-US" sz="1000" dirty="0" err="1" smtClean="0">
-                <a:solidFill>
-                  <a:schemeClr val="tx1"/>
-                </a:solidFill>
-              </a:rPr>
-              <a:t>InsuranceQuoteRQ</a:t>
-            </a:r>
-            <a:endParaRPr lang="en-US" sz="1000" dirty="0" smtClean="0">
-              <a:solidFill>
-                <a:schemeClr val="tx1"/>
-              </a:solidFill>
-            </a:endParaRPr>
-          </a:p>
-          <a:p>
-            <a:pPr marL="228600" indent="-228600">
-              <a:buFont typeface="+mj-lt"/>
-              <a:buAutoNum type="alphaUcPeriod"/>
-            </a:pPr>
-            <a:r>
-              <a:rPr lang="en-US" sz="1000" dirty="0" err="1" smtClean="0">
-                <a:solidFill>
-                  <a:schemeClr val="tx1"/>
-                </a:solidFill>
-              </a:rPr>
-              <a:t>InsuranceResRQ</a:t>
-            </a:r>
-            <a:endParaRPr lang="en-US" sz="1000" dirty="0">
-              <a:solidFill>
-                <a:schemeClr val="tx1"/>
-              </a:solidFill>
-            </a:endParaRPr>
-          </a:p>
-          <a:p>
-            <a:endParaRPr lang="en-US" sz="1000" dirty="0">
-              <a:solidFill>
-                <a:schemeClr val="tx1"/>
-              </a:solidFill>
-            </a:endParaRPr>
-          </a:p>
-        </p:txBody>
-      </p:sp>
-      <p:sp>
-        <p:nvSpPr>
           <p:cNvPr id="38" name="TextBox 37"/>
           <p:cNvSpPr txBox="1"/>
           <p:nvPr/>
@@ -29671,116 +27664,6 @@
       </p:sp>
       <p:sp>
         <p:nvSpPr>
-          <p:cNvPr id="20" name="Rectangle 19"/>
-          <p:cNvSpPr/>
-          <p:nvPr/>
-        </p:nvSpPr>
-        <p:spPr>
-          <a:xfrm>
-            <a:off x="6458334" y="2042808"/>
-            <a:ext cx="1644805" cy="630430"/>
-          </a:xfrm>
-          <a:prstGeom prst="rect">
-            <a:avLst/>
-          </a:prstGeom>
-          <a:solidFill>
-            <a:schemeClr val="bg1">
-              <a:lumMod val="95000"/>
-            </a:schemeClr>
-          </a:solidFill>
-          <a:ln>
-            <a:solidFill>
-              <a:schemeClr val="tx1"/>
-            </a:solidFill>
-          </a:ln>
-        </p:spPr>
-        <p:style>
-          <a:lnRef idx="2">
-            <a:schemeClr val="accent1">
-              <a:shade val="50000"/>
-            </a:schemeClr>
-          </a:lnRef>
-          <a:fillRef idx="1">
-            <a:schemeClr val="accent1"/>
-          </a:fillRef>
-          <a:effectRef idx="0">
-            <a:schemeClr val="accent1"/>
-          </a:effectRef>
-          <a:fontRef idx="minor">
-            <a:schemeClr val="lt1"/>
-          </a:fontRef>
-        </p:style>
-        <p:txBody>
-          <a:bodyPr rtlCol="0" anchor="t"/>
-          <a:lstStyle/>
-          <a:p>
-            <a:pPr marL="228600" indent="-228600">
-              <a:buFont typeface="+mj-lt"/>
-              <a:buAutoNum type="alphaUcPeriod"/>
-            </a:pPr>
-            <a:r>
-              <a:rPr lang="en-US" sz="1000" dirty="0" err="1">
-                <a:solidFill>
-                  <a:schemeClr val="tx1"/>
-                </a:solidFill>
-              </a:rPr>
-              <a:t>VehicleAvailability</a:t>
-            </a:r>
-            <a:endParaRPr lang="en-US" sz="1000" dirty="0">
-              <a:solidFill>
-                <a:schemeClr val="tx1"/>
-              </a:solidFill>
-            </a:endParaRPr>
-          </a:p>
-          <a:p>
-            <a:pPr marL="228600" indent="-228600">
-              <a:buFont typeface="+mj-lt"/>
-              <a:buAutoNum type="alphaUcPeriod"/>
-            </a:pPr>
-            <a:r>
-              <a:rPr lang="en-US" sz="1000" dirty="0" err="1">
-                <a:solidFill>
-                  <a:schemeClr val="tx1"/>
-                </a:solidFill>
-              </a:rPr>
-              <a:t>VehicleQuote</a:t>
-            </a:r>
-            <a:endParaRPr lang="en-US" sz="1000" dirty="0">
-              <a:solidFill>
-                <a:schemeClr val="tx1"/>
-              </a:solidFill>
-            </a:endParaRPr>
-          </a:p>
-          <a:p>
-            <a:pPr marL="228600" indent="-228600">
-              <a:buFont typeface="+mj-lt"/>
-              <a:buAutoNum type="alphaUcPeriod"/>
-            </a:pPr>
-            <a:r>
-              <a:rPr lang="en-US" sz="1000" dirty="0" err="1">
-                <a:solidFill>
-                  <a:schemeClr val="tx1"/>
-                </a:solidFill>
-              </a:rPr>
-              <a:t>VehicleRes</a:t>
-            </a:r>
-            <a:endParaRPr lang="en-US" sz="1000" dirty="0">
-              <a:solidFill>
-                <a:schemeClr val="tx1"/>
-              </a:solidFill>
-            </a:endParaRPr>
-          </a:p>
-          <a:p>
-            <a:endParaRPr lang="en-US" sz="1000" dirty="0">
-              <a:solidFill>
-                <a:schemeClr val="tx1"/>
-              </a:solidFill>
-            </a:endParaRPr>
-          </a:p>
-        </p:txBody>
-      </p:sp>
-      <p:sp>
-        <p:nvSpPr>
           <p:cNvPr id="38" name="TextBox 37"/>
           <p:cNvSpPr txBox="1"/>
           <p:nvPr/>
@@ -30648,116 +28531,6 @@
       </p:sp>
       <p:sp>
         <p:nvSpPr>
-          <p:cNvPr id="20" name="Rectangle 19"/>
-          <p:cNvSpPr/>
-          <p:nvPr/>
-        </p:nvSpPr>
-        <p:spPr>
-          <a:xfrm>
-            <a:off x="6458334" y="2042808"/>
-            <a:ext cx="1644805" cy="630430"/>
-          </a:xfrm>
-          <a:prstGeom prst="rect">
-            <a:avLst/>
-          </a:prstGeom>
-          <a:solidFill>
-            <a:schemeClr val="bg1">
-              <a:lumMod val="95000"/>
-            </a:schemeClr>
-          </a:solidFill>
-          <a:ln>
-            <a:solidFill>
-              <a:schemeClr val="tx1"/>
-            </a:solidFill>
-          </a:ln>
-        </p:spPr>
-        <p:style>
-          <a:lnRef idx="2">
-            <a:schemeClr val="accent1">
-              <a:shade val="50000"/>
-            </a:schemeClr>
-          </a:lnRef>
-          <a:fillRef idx="1">
-            <a:schemeClr val="accent1"/>
-          </a:fillRef>
-          <a:effectRef idx="0">
-            <a:schemeClr val="accent1"/>
-          </a:effectRef>
-          <a:fontRef idx="minor">
-            <a:schemeClr val="lt1"/>
-          </a:fontRef>
-        </p:style>
-        <p:txBody>
-          <a:bodyPr rtlCol="0" anchor="t"/>
-          <a:lstStyle/>
-          <a:p>
-            <a:pPr marL="228600" indent="-228600">
-              <a:buFont typeface="+mj-lt"/>
-              <a:buAutoNum type="alphaUcPeriod"/>
-            </a:pPr>
-            <a:r>
-              <a:rPr lang="en-US" sz="1000" dirty="0" err="1">
-                <a:solidFill>
-                  <a:schemeClr val="tx1"/>
-                </a:solidFill>
-              </a:rPr>
-              <a:t>VehicleAvailability</a:t>
-            </a:r>
-            <a:endParaRPr lang="en-US" sz="1000" dirty="0">
-              <a:solidFill>
-                <a:schemeClr val="tx1"/>
-              </a:solidFill>
-            </a:endParaRPr>
-          </a:p>
-          <a:p>
-            <a:pPr marL="228600" indent="-228600">
-              <a:buFont typeface="+mj-lt"/>
-              <a:buAutoNum type="alphaUcPeriod"/>
-            </a:pPr>
-            <a:r>
-              <a:rPr lang="en-US" sz="1000" dirty="0" err="1">
-                <a:solidFill>
-                  <a:schemeClr val="tx1"/>
-                </a:solidFill>
-              </a:rPr>
-              <a:t>VehicleQuote</a:t>
-            </a:r>
-            <a:endParaRPr lang="en-US" sz="1000" dirty="0">
-              <a:solidFill>
-                <a:schemeClr val="tx1"/>
-              </a:solidFill>
-            </a:endParaRPr>
-          </a:p>
-          <a:p>
-            <a:pPr marL="228600" indent="-228600">
-              <a:buFont typeface="+mj-lt"/>
-              <a:buAutoNum type="alphaUcPeriod"/>
-            </a:pPr>
-            <a:r>
-              <a:rPr lang="en-US" sz="1000" dirty="0" err="1">
-                <a:solidFill>
-                  <a:schemeClr val="tx1"/>
-                </a:solidFill>
-              </a:rPr>
-              <a:t>VehicleRes</a:t>
-            </a:r>
-            <a:endParaRPr lang="en-US" sz="1000" dirty="0">
-              <a:solidFill>
-                <a:schemeClr val="tx1"/>
-              </a:solidFill>
-            </a:endParaRPr>
-          </a:p>
-          <a:p>
-            <a:endParaRPr lang="en-US" sz="1000" dirty="0">
-              <a:solidFill>
-                <a:schemeClr val="tx1"/>
-              </a:solidFill>
-            </a:endParaRPr>
-          </a:p>
-        </p:txBody>
-      </p:sp>
-      <p:sp>
-        <p:nvSpPr>
           <p:cNvPr id="38" name="TextBox 37"/>
           <p:cNvSpPr txBox="1"/>
           <p:nvPr/>
@@ -31643,116 +29416,6 @@
       </p:sp>
       <p:sp>
         <p:nvSpPr>
-          <p:cNvPr id="20" name="Rectangle 19"/>
-          <p:cNvSpPr/>
-          <p:nvPr/>
-        </p:nvSpPr>
-        <p:spPr>
-          <a:xfrm>
-            <a:off x="6458334" y="2042808"/>
-            <a:ext cx="1644805" cy="630430"/>
-          </a:xfrm>
-          <a:prstGeom prst="rect">
-            <a:avLst/>
-          </a:prstGeom>
-          <a:solidFill>
-            <a:schemeClr val="bg1">
-              <a:lumMod val="95000"/>
-            </a:schemeClr>
-          </a:solidFill>
-          <a:ln>
-            <a:solidFill>
-              <a:schemeClr val="tx1"/>
-            </a:solidFill>
-          </a:ln>
-        </p:spPr>
-        <p:style>
-          <a:lnRef idx="2">
-            <a:schemeClr val="accent1">
-              <a:shade val="50000"/>
-            </a:schemeClr>
-          </a:lnRef>
-          <a:fillRef idx="1">
-            <a:schemeClr val="accent1"/>
-          </a:fillRef>
-          <a:effectRef idx="0">
-            <a:schemeClr val="accent1"/>
-          </a:effectRef>
-          <a:fontRef idx="minor">
-            <a:schemeClr val="lt1"/>
-          </a:fontRef>
-        </p:style>
-        <p:txBody>
-          <a:bodyPr rtlCol="0" anchor="t"/>
-          <a:lstStyle/>
-          <a:p>
-            <a:pPr marL="228600" indent="-228600">
-              <a:buFont typeface="+mj-lt"/>
-              <a:buAutoNum type="alphaUcPeriod"/>
-            </a:pPr>
-            <a:r>
-              <a:rPr lang="en-US" sz="1000" dirty="0" err="1">
-                <a:solidFill>
-                  <a:schemeClr val="tx1"/>
-                </a:solidFill>
-              </a:rPr>
-              <a:t>VehicleAvailability</a:t>
-            </a:r>
-            <a:endParaRPr lang="en-US" sz="1000" dirty="0">
-              <a:solidFill>
-                <a:schemeClr val="tx1"/>
-              </a:solidFill>
-            </a:endParaRPr>
-          </a:p>
-          <a:p>
-            <a:pPr marL="228600" indent="-228600">
-              <a:buFont typeface="+mj-lt"/>
-              <a:buAutoNum type="alphaUcPeriod"/>
-            </a:pPr>
-            <a:r>
-              <a:rPr lang="en-US" sz="1000" dirty="0" err="1">
-                <a:solidFill>
-                  <a:schemeClr val="tx1"/>
-                </a:solidFill>
-              </a:rPr>
-              <a:t>VehicleQuote</a:t>
-            </a:r>
-            <a:endParaRPr lang="en-US" sz="1000" dirty="0">
-              <a:solidFill>
-                <a:schemeClr val="tx1"/>
-              </a:solidFill>
-            </a:endParaRPr>
-          </a:p>
-          <a:p>
-            <a:pPr marL="228600" indent="-228600">
-              <a:buFont typeface="+mj-lt"/>
-              <a:buAutoNum type="alphaUcPeriod"/>
-            </a:pPr>
-            <a:r>
-              <a:rPr lang="en-US" sz="1000" dirty="0" err="1">
-                <a:solidFill>
-                  <a:schemeClr val="tx1"/>
-                </a:solidFill>
-              </a:rPr>
-              <a:t>VehicleRes</a:t>
-            </a:r>
-            <a:endParaRPr lang="en-US" sz="1000" dirty="0">
-              <a:solidFill>
-                <a:schemeClr val="tx1"/>
-              </a:solidFill>
-            </a:endParaRPr>
-          </a:p>
-          <a:p>
-            <a:endParaRPr lang="en-US" sz="1000" dirty="0">
-              <a:solidFill>
-                <a:schemeClr val="tx1"/>
-              </a:solidFill>
-            </a:endParaRPr>
-          </a:p>
-        </p:txBody>
-      </p:sp>
-      <p:sp>
-        <p:nvSpPr>
           <p:cNvPr id="38" name="TextBox 37"/>
           <p:cNvSpPr txBox="1"/>
           <p:nvPr/>
@@ -32617,192 +30280,6 @@
       </p:sp>
       <p:sp>
         <p:nvSpPr>
-          <p:cNvPr id="20" name="Rectangle 19"/>
-          <p:cNvSpPr/>
-          <p:nvPr/>
-        </p:nvSpPr>
-        <p:spPr>
-          <a:xfrm>
-            <a:off x="6215974" y="2042808"/>
-            <a:ext cx="1887165" cy="1202854"/>
-          </a:xfrm>
-          <a:prstGeom prst="rect">
-            <a:avLst/>
-          </a:prstGeom>
-          <a:solidFill>
-            <a:schemeClr val="bg1">
-              <a:lumMod val="95000"/>
-            </a:schemeClr>
-          </a:solidFill>
-          <a:ln>
-            <a:solidFill>
-              <a:schemeClr val="tx1"/>
-            </a:solidFill>
-          </a:ln>
-        </p:spPr>
-        <p:style>
-          <a:lnRef idx="2">
-            <a:schemeClr val="accent1">
-              <a:shade val="50000"/>
-            </a:schemeClr>
-          </a:lnRef>
-          <a:fillRef idx="1">
-            <a:schemeClr val="accent1"/>
-          </a:fillRef>
-          <a:effectRef idx="0">
-            <a:schemeClr val="accent1"/>
-          </a:effectRef>
-          <a:fontRef idx="minor">
-            <a:schemeClr val="lt1"/>
-          </a:fontRef>
-        </p:style>
-        <p:txBody>
-          <a:bodyPr rtlCol="0" anchor="t"/>
-          <a:lstStyle/>
-          <a:p>
-            <a:pPr marL="228600" indent="-228600">
-              <a:buFont typeface="+mj-lt"/>
-              <a:buAutoNum type="alphaUcPeriod"/>
-            </a:pPr>
-            <a:r>
-              <a:rPr lang="en-US" sz="1000" dirty="0" err="1">
-                <a:solidFill>
-                  <a:schemeClr val="tx1"/>
-                </a:solidFill>
-              </a:rPr>
-              <a:t>AirAvailabilityRQ</a:t>
-            </a:r>
-            <a:endParaRPr lang="en-US" sz="1000" dirty="0">
-              <a:solidFill>
-                <a:schemeClr val="tx1"/>
-              </a:solidFill>
-            </a:endParaRPr>
-          </a:p>
-          <a:p>
-            <a:pPr marL="228600" indent="-228600">
-              <a:buFont typeface="+mj-lt"/>
-              <a:buAutoNum type="alphaUcPeriod"/>
-            </a:pPr>
-            <a:r>
-              <a:rPr lang="en-US" sz="1000" dirty="0" err="1">
-                <a:solidFill>
-                  <a:schemeClr val="tx1"/>
-                </a:solidFill>
-              </a:rPr>
-              <a:t>AirQuoteRQ</a:t>
-            </a:r>
-            <a:endParaRPr lang="en-US" sz="1000" dirty="0">
-              <a:solidFill>
-                <a:schemeClr val="tx1"/>
-              </a:solidFill>
-            </a:endParaRPr>
-          </a:p>
-          <a:p>
-            <a:pPr marL="228600" indent="-228600">
-              <a:buFont typeface="+mj-lt"/>
-              <a:buAutoNum type="alphaUcPeriod"/>
-            </a:pPr>
-            <a:r>
-              <a:rPr lang="en-US" sz="1000" dirty="0" err="1">
-                <a:solidFill>
-                  <a:schemeClr val="tx1"/>
-                </a:solidFill>
-              </a:rPr>
-              <a:t>AirResRQ</a:t>
-            </a:r>
-            <a:endParaRPr lang="en-US" sz="1000" dirty="0">
-              <a:solidFill>
-                <a:schemeClr val="tx1"/>
-              </a:solidFill>
-            </a:endParaRPr>
-          </a:p>
-          <a:p>
-            <a:pPr marL="228600" indent="-228600">
-              <a:buFont typeface="+mj-lt"/>
-              <a:buAutoNum type="alphaUcPeriod"/>
-            </a:pPr>
-            <a:r>
-              <a:rPr lang="en-US" sz="1000" dirty="0" err="1">
-                <a:solidFill>
-                  <a:schemeClr val="tx1"/>
-                </a:solidFill>
-              </a:rPr>
-              <a:t>ModifyAirItineraryRQ</a:t>
-            </a:r>
-            <a:endParaRPr lang="en-US" sz="1000" dirty="0">
-              <a:solidFill>
-                <a:schemeClr val="tx1"/>
-              </a:solidFill>
-            </a:endParaRPr>
-          </a:p>
-          <a:p>
-            <a:pPr marL="228600" indent="-228600">
-              <a:buFont typeface="+mj-lt"/>
-              <a:buAutoNum type="alphaUcPeriod"/>
-            </a:pPr>
-            <a:r>
-              <a:rPr lang="en-US" sz="1000" dirty="0" err="1">
-                <a:solidFill>
-                  <a:schemeClr val="tx1"/>
-                </a:solidFill>
-              </a:rPr>
-              <a:t>ModifySeatAssignmentsRQ</a:t>
-            </a:r>
-            <a:endParaRPr lang="en-US" sz="1000" dirty="0">
-              <a:solidFill>
-                <a:schemeClr val="tx1"/>
-              </a:solidFill>
-            </a:endParaRPr>
-          </a:p>
-          <a:p>
-            <a:pPr marL="228600" indent="-228600">
-              <a:buFont typeface="+mj-lt"/>
-              <a:buAutoNum type="alphaUcPeriod"/>
-            </a:pPr>
-            <a:r>
-              <a:rPr lang="en-US" sz="1000" dirty="0" err="1">
-                <a:solidFill>
-                  <a:schemeClr val="tx1"/>
-                </a:solidFill>
-              </a:rPr>
-              <a:t>ModifyAirItineraryRQ</a:t>
-            </a:r>
-            <a:endParaRPr lang="en-US" sz="1000" dirty="0">
-              <a:solidFill>
-                <a:schemeClr val="tx1"/>
-              </a:solidFill>
-            </a:endParaRPr>
-          </a:p>
-          <a:p>
-            <a:pPr marL="228600" indent="-228600">
-              <a:buFont typeface="+mj-lt"/>
-              <a:buAutoNum type="alphaUcPeriod"/>
-            </a:pPr>
-            <a:r>
-              <a:rPr lang="en-US" sz="1000" dirty="0" err="1">
-                <a:solidFill>
-                  <a:schemeClr val="tx1"/>
-                </a:solidFill>
-              </a:rPr>
-              <a:t>ModifyPaxInfoRQ</a:t>
-            </a:r>
-            <a:endParaRPr lang="en-US" sz="1000" dirty="0">
-              <a:solidFill>
-                <a:schemeClr val="tx1"/>
-              </a:solidFill>
-            </a:endParaRPr>
-          </a:p>
-          <a:p>
-            <a:endParaRPr lang="en-US" sz="1000" dirty="0">
-              <a:solidFill>
-                <a:schemeClr val="tx1"/>
-              </a:solidFill>
-            </a:endParaRPr>
-          </a:p>
-        </p:txBody>
-      </p:sp>
-      <p:sp>
-        <p:nvSpPr>
           <p:cNvPr id="38" name="TextBox 37"/>
           <p:cNvSpPr txBox="1"/>
           <p:nvPr/>
@@ -33654,192 +31131,6 @@
       </p:sp>
       <p:sp>
         <p:nvSpPr>
-          <p:cNvPr id="20" name="Rectangle 19"/>
-          <p:cNvSpPr/>
-          <p:nvPr/>
-        </p:nvSpPr>
-        <p:spPr>
-          <a:xfrm>
-            <a:off x="6215974" y="2042808"/>
-            <a:ext cx="1887165" cy="1202854"/>
-          </a:xfrm>
-          <a:prstGeom prst="rect">
-            <a:avLst/>
-          </a:prstGeom>
-          <a:solidFill>
-            <a:schemeClr val="bg1">
-              <a:lumMod val="95000"/>
-            </a:schemeClr>
-          </a:solidFill>
-          <a:ln>
-            <a:solidFill>
-              <a:schemeClr val="tx1"/>
-            </a:solidFill>
-          </a:ln>
-        </p:spPr>
-        <p:style>
-          <a:lnRef idx="2">
-            <a:schemeClr val="accent1">
-              <a:shade val="50000"/>
-            </a:schemeClr>
-          </a:lnRef>
-          <a:fillRef idx="1">
-            <a:schemeClr val="accent1"/>
-          </a:fillRef>
-          <a:effectRef idx="0">
-            <a:schemeClr val="accent1"/>
-          </a:effectRef>
-          <a:fontRef idx="minor">
-            <a:schemeClr val="lt1"/>
-          </a:fontRef>
-        </p:style>
-        <p:txBody>
-          <a:bodyPr rtlCol="0" anchor="t"/>
-          <a:lstStyle/>
-          <a:p>
-            <a:pPr marL="228600" indent="-228600">
-              <a:buFont typeface="+mj-lt"/>
-              <a:buAutoNum type="alphaUcPeriod"/>
-            </a:pPr>
-            <a:r>
-              <a:rPr lang="en-US" sz="1000" dirty="0" err="1">
-                <a:solidFill>
-                  <a:schemeClr val="tx1"/>
-                </a:solidFill>
-              </a:rPr>
-              <a:t>AirAvailabilityRQ</a:t>
-            </a:r>
-            <a:endParaRPr lang="en-US" sz="1000" dirty="0">
-              <a:solidFill>
-                <a:schemeClr val="tx1"/>
-              </a:solidFill>
-            </a:endParaRPr>
-          </a:p>
-          <a:p>
-            <a:pPr marL="228600" indent="-228600">
-              <a:buFont typeface="+mj-lt"/>
-              <a:buAutoNum type="alphaUcPeriod"/>
-            </a:pPr>
-            <a:r>
-              <a:rPr lang="en-US" sz="1000" dirty="0" err="1">
-                <a:solidFill>
-                  <a:schemeClr val="tx1"/>
-                </a:solidFill>
-              </a:rPr>
-              <a:t>AirQuoteRQ</a:t>
-            </a:r>
-            <a:endParaRPr lang="en-US" sz="1000" dirty="0">
-              <a:solidFill>
-                <a:schemeClr val="tx1"/>
-              </a:solidFill>
-            </a:endParaRPr>
-          </a:p>
-          <a:p>
-            <a:pPr marL="228600" indent="-228600">
-              <a:buFont typeface="+mj-lt"/>
-              <a:buAutoNum type="alphaUcPeriod"/>
-            </a:pPr>
-            <a:r>
-              <a:rPr lang="en-US" sz="1000" dirty="0" err="1">
-                <a:solidFill>
-                  <a:schemeClr val="tx1"/>
-                </a:solidFill>
-              </a:rPr>
-              <a:t>AirResRQ</a:t>
-            </a:r>
-            <a:endParaRPr lang="en-US" sz="1000" dirty="0">
-              <a:solidFill>
-                <a:schemeClr val="tx1"/>
-              </a:solidFill>
-            </a:endParaRPr>
-          </a:p>
-          <a:p>
-            <a:pPr marL="228600" indent="-228600">
-              <a:buFont typeface="+mj-lt"/>
-              <a:buAutoNum type="alphaUcPeriod"/>
-            </a:pPr>
-            <a:r>
-              <a:rPr lang="en-US" sz="1000" dirty="0" err="1">
-                <a:solidFill>
-                  <a:schemeClr val="tx1"/>
-                </a:solidFill>
-              </a:rPr>
-              <a:t>ModifyAirItineraryRQ</a:t>
-            </a:r>
-            <a:endParaRPr lang="en-US" sz="1000" dirty="0">
-              <a:solidFill>
-                <a:schemeClr val="tx1"/>
-              </a:solidFill>
-            </a:endParaRPr>
-          </a:p>
-          <a:p>
-            <a:pPr marL="228600" indent="-228600">
-              <a:buFont typeface="+mj-lt"/>
-              <a:buAutoNum type="alphaUcPeriod"/>
-            </a:pPr>
-            <a:r>
-              <a:rPr lang="en-US" sz="1000" dirty="0" err="1">
-                <a:solidFill>
-                  <a:schemeClr val="tx1"/>
-                </a:solidFill>
-              </a:rPr>
-              <a:t>ModifySeatAssignmentsRQ</a:t>
-            </a:r>
-            <a:endParaRPr lang="en-US" sz="1000" dirty="0">
-              <a:solidFill>
-                <a:schemeClr val="tx1"/>
-              </a:solidFill>
-            </a:endParaRPr>
-          </a:p>
-          <a:p>
-            <a:pPr marL="228600" indent="-228600">
-              <a:buFont typeface="+mj-lt"/>
-              <a:buAutoNum type="alphaUcPeriod"/>
-            </a:pPr>
-            <a:r>
-              <a:rPr lang="en-US" sz="1000" dirty="0" err="1">
-                <a:solidFill>
-                  <a:schemeClr val="tx1"/>
-                </a:solidFill>
-              </a:rPr>
-              <a:t>ModifyAirItineraryRQ</a:t>
-            </a:r>
-            <a:endParaRPr lang="en-US" sz="1000" dirty="0">
-              <a:solidFill>
-                <a:schemeClr val="tx1"/>
-              </a:solidFill>
-            </a:endParaRPr>
-          </a:p>
-          <a:p>
-            <a:pPr marL="228600" indent="-228600">
-              <a:buFont typeface="+mj-lt"/>
-              <a:buAutoNum type="alphaUcPeriod"/>
-            </a:pPr>
-            <a:r>
-              <a:rPr lang="en-US" sz="1000" dirty="0" err="1">
-                <a:solidFill>
-                  <a:schemeClr val="tx1"/>
-                </a:solidFill>
-              </a:rPr>
-              <a:t>ModifyPaxInfoRQ</a:t>
-            </a:r>
-            <a:endParaRPr lang="en-US" sz="1000" dirty="0">
-              <a:solidFill>
-                <a:schemeClr val="tx1"/>
-              </a:solidFill>
-            </a:endParaRPr>
-          </a:p>
-          <a:p>
-            <a:endParaRPr lang="en-US" sz="1000" dirty="0">
-              <a:solidFill>
-                <a:schemeClr val="tx1"/>
-              </a:solidFill>
-            </a:endParaRPr>
-          </a:p>
-        </p:txBody>
-      </p:sp>
-      <p:sp>
-        <p:nvSpPr>
           <p:cNvPr id="38" name="TextBox 37"/>
           <p:cNvSpPr txBox="1"/>
           <p:nvPr/>
@@ -34694,173 +31985,6 @@
               <a:t>&gt;&gt;</a:t>
             </a:r>
             <a:endParaRPr lang="en-US" sz="900" b="1" dirty="0"/>
-          </a:p>
-        </p:txBody>
-      </p:sp>
-      <p:sp>
-        <p:nvSpPr>
-          <p:cNvPr id="20" name="Rectangle 19"/>
-          <p:cNvSpPr/>
-          <p:nvPr/>
-        </p:nvSpPr>
-        <p:spPr>
-          <a:xfrm>
-            <a:off x="6215974" y="2042808"/>
-            <a:ext cx="1887165" cy="1076183"/>
-          </a:xfrm>
-          <a:prstGeom prst="rect">
-            <a:avLst/>
-          </a:prstGeom>
-          <a:solidFill>
-            <a:schemeClr val="bg1">
-              <a:lumMod val="95000"/>
-            </a:schemeClr>
-          </a:solidFill>
-          <a:ln>
-            <a:solidFill>
-              <a:schemeClr val="tx1"/>
-            </a:solidFill>
-          </a:ln>
-        </p:spPr>
-        <p:style>
-          <a:lnRef idx="2">
-            <a:schemeClr val="accent1">
-              <a:shade val="50000"/>
-            </a:schemeClr>
-          </a:lnRef>
-          <a:fillRef idx="1">
-            <a:schemeClr val="accent1"/>
-          </a:fillRef>
-          <a:effectRef idx="0">
-            <a:schemeClr val="accent1"/>
-          </a:effectRef>
-          <a:fontRef idx="minor">
-            <a:schemeClr val="lt1"/>
-          </a:fontRef>
-        </p:style>
-        <p:txBody>
-          <a:bodyPr rtlCol="0" anchor="t"/>
-          <a:lstStyle/>
-          <a:p>
-            <a:pPr marL="228600" indent="-228600">
-              <a:buFont typeface="+mj-lt"/>
-              <a:buAutoNum type="alphaUcPeriod"/>
-            </a:pPr>
-            <a:r>
-              <a:rPr lang="en-US" sz="1000" dirty="0" err="1">
-                <a:solidFill>
-                  <a:schemeClr val="tx1"/>
-                </a:solidFill>
-              </a:rPr>
-              <a:t>AirAvailabilityRQ</a:t>
-            </a:r>
-            <a:endParaRPr lang="en-US" sz="1000" dirty="0">
-              <a:solidFill>
-                <a:schemeClr val="tx1"/>
-              </a:solidFill>
-            </a:endParaRPr>
-          </a:p>
-          <a:p>
-            <a:pPr marL="228600" indent="-228600">
-              <a:buFont typeface="+mj-lt"/>
-              <a:buAutoNum type="alphaUcPeriod"/>
-            </a:pPr>
-            <a:r>
-              <a:rPr lang="en-US" sz="1000" dirty="0" err="1">
-                <a:solidFill>
-                  <a:schemeClr val="tx1"/>
-                </a:solidFill>
-              </a:rPr>
-              <a:t>AirQuoteRQ</a:t>
-            </a:r>
-            <a:endParaRPr lang="en-US" sz="1000" dirty="0">
-              <a:solidFill>
-                <a:schemeClr val="tx1"/>
-              </a:solidFill>
-            </a:endParaRPr>
-          </a:p>
-          <a:p>
-            <a:pPr marL="228600" indent="-228600">
-              <a:buFont typeface="+mj-lt"/>
-              <a:buAutoNum type="alphaUcPeriod"/>
-            </a:pPr>
-            <a:r>
-              <a:rPr lang="en-US" sz="1000" dirty="0" err="1">
-                <a:solidFill>
-                  <a:schemeClr val="tx1"/>
-                </a:solidFill>
-              </a:rPr>
-              <a:t>AirResRQ</a:t>
-            </a:r>
-            <a:endParaRPr lang="en-US" sz="1000" dirty="0">
-              <a:solidFill>
-                <a:schemeClr val="tx1"/>
-              </a:solidFill>
-            </a:endParaRPr>
-          </a:p>
-          <a:p>
-            <a:pPr marL="228600" indent="-228600">
-              <a:buFont typeface="+mj-lt"/>
-              <a:buAutoNum type="alphaUcPeriod"/>
-            </a:pPr>
-            <a:r>
-              <a:rPr lang="en-US" sz="1000" dirty="0" err="1">
-                <a:solidFill>
-                  <a:schemeClr val="tx1"/>
-                </a:solidFill>
-              </a:rPr>
-              <a:t>ModifyAirItineraryRQ</a:t>
-            </a:r>
-            <a:endParaRPr lang="en-US" sz="1000" dirty="0">
-              <a:solidFill>
-                <a:schemeClr val="tx1"/>
-              </a:solidFill>
-            </a:endParaRPr>
-          </a:p>
-          <a:p>
-            <a:pPr marL="228600" indent="-228600">
-              <a:buFont typeface="+mj-lt"/>
-              <a:buAutoNum type="alphaUcPeriod"/>
-            </a:pPr>
-            <a:r>
-              <a:rPr lang="en-US" sz="1000" dirty="0" err="1">
-                <a:solidFill>
-                  <a:schemeClr val="tx1"/>
-                </a:solidFill>
-              </a:rPr>
-              <a:t>ModifySeatAssignmentsRQ</a:t>
-            </a:r>
-            <a:endParaRPr lang="en-US" sz="1000" dirty="0">
-              <a:solidFill>
-                <a:schemeClr val="tx1"/>
-              </a:solidFill>
-            </a:endParaRPr>
-          </a:p>
-          <a:p>
-            <a:pPr marL="228600" indent="-228600">
-              <a:buFont typeface="+mj-lt"/>
-              <a:buAutoNum type="alphaUcPeriod"/>
-            </a:pPr>
-            <a:r>
-              <a:rPr lang="en-US" sz="1000" dirty="0" err="1" smtClean="0">
-                <a:solidFill>
-                  <a:schemeClr val="tx1"/>
-                </a:solidFill>
-              </a:rPr>
-              <a:t>ModifyPaxInfoRQ</a:t>
-            </a:r>
-            <a:endParaRPr lang="en-US" sz="1000" dirty="0">
-              <a:solidFill>
-                <a:schemeClr val="tx1"/>
-              </a:solidFill>
-            </a:endParaRPr>
-          </a:p>
-          <a:p>
-            <a:endParaRPr lang="en-US" sz="1000" dirty="0">
-              <a:solidFill>
-                <a:schemeClr val="tx1"/>
-              </a:solidFill>
-            </a:endParaRPr>
           </a:p>
         </p:txBody>
       </p:sp>
